--- a/slides/06-querying-llms.pptx
+++ b/slides/06-querying-llms.pptx
@@ -215,7 +215,7 @@
           <a:p>
             <a:fld id="{15DA2908-672F-DC48-8CAD-AEE711B947DA}" type="datetimeFigureOut">
               <a:rPr lang="en-US" smtClean="0"/>
-              <a:t>6/26/25</a:t>
+              <a:t>6/29/25</a:t>
             </a:fld>
             <a:endParaRPr lang="en-US"/>
           </a:p>
@@ -481,6 +481,336 @@
     </a:lvl9pPr>
   </p:notesStyle>
 </p:notesMaster>
+</file>
+
+<file path=ppt/notesSlides/notesSlide1.xml><?xml version="1.0" encoding="utf-8"?>
+<p:notes xmlns:a="http://schemas.openxmlformats.org/drawingml/2006/main" xmlns:r="http://schemas.openxmlformats.org/officeDocument/2006/relationships" xmlns:p="http://schemas.openxmlformats.org/presentationml/2006/main">
+  <p:cSld>
+    <p:spTree>
+      <p:nvGrpSpPr>
+        <p:cNvPr id="1" name=""/>
+        <p:cNvGrpSpPr/>
+        <p:nvPr/>
+      </p:nvGrpSpPr>
+      <p:grpSpPr>
+        <a:xfrm>
+          <a:off x="0" y="0"/>
+          <a:ext cx="0" cy="0"/>
+          <a:chOff x="0" y="0"/>
+          <a:chExt cx="0" cy="0"/>
+        </a:xfrm>
+      </p:grpSpPr>
+      <p:sp>
+        <p:nvSpPr>
+          <p:cNvPr id="2" name="Slide Image Placeholder 1"/>
+          <p:cNvSpPr>
+            <a:spLocks noGrp="1" noRot="1" noChangeAspect="1"/>
+          </p:cNvSpPr>
+          <p:nvPr>
+            <p:ph type="sldImg"/>
+          </p:nvPr>
+        </p:nvSpPr>
+        <p:spPr/>
+      </p:sp>
+      <p:sp>
+        <p:nvSpPr>
+          <p:cNvPr id="3" name="Notes Placeholder 2"/>
+          <p:cNvSpPr>
+            <a:spLocks noGrp="1"/>
+          </p:cNvSpPr>
+          <p:nvPr>
+            <p:ph type="body" idx="1"/>
+          </p:nvPr>
+        </p:nvSpPr>
+        <p:spPr/>
+        <p:txBody>
+          <a:bodyPr/>
+          <a:lstStyle/>
+          <a:p>
+            <a:r>
+              <a:rPr lang="en-GB" b="1" dirty="0"/>
+              <a:t>Problem</a:t>
+            </a:r>
+          </a:p>
+          <a:p>
+            <a:r>
+              <a:rPr lang="en-GB" dirty="0"/>
+              <a:t>✅ </a:t>
+            </a:r>
+            <a:r>
+              <a:rPr lang="en-GB" b="1" dirty="0"/>
+              <a:t>Query is Slow</a:t>
+            </a:r>
+            <a:endParaRPr lang="en-GB" dirty="0"/>
+          </a:p>
+          <a:p>
+            <a:r>
+              <a:rPr lang="en-GB" b="1" dirty="0"/>
+              <a:t>Possible Causes</a:t>
+            </a:r>
+          </a:p>
+          <a:p>
+            <a:r>
+              <a:rPr lang="en-GB" b="1" dirty="0"/>
+              <a:t>Large Vector Index</a:t>
+            </a:r>
+            <a:endParaRPr lang="en-GB" dirty="0"/>
+          </a:p>
+          <a:p>
+            <a:pPr lvl="1"/>
+            <a:r>
+              <a:rPr lang="en-GB" dirty="0"/>
+              <a:t>Searching through millions of embeddings takes time, especially if stored on disk or in non-optimised formats.</a:t>
+            </a:r>
+          </a:p>
+          <a:p>
+            <a:r>
+              <a:rPr lang="en-GB" b="1" dirty="0"/>
+              <a:t>Inefficient Similarity Search</a:t>
+            </a:r>
+            <a:endParaRPr lang="en-GB" dirty="0"/>
+          </a:p>
+          <a:p>
+            <a:pPr lvl="1"/>
+            <a:r>
+              <a:rPr lang="en-GB" dirty="0"/>
+              <a:t>Using brute-force comparisons rather than approximate nearest neighbour (ANN) methods.</a:t>
+            </a:r>
+          </a:p>
+          <a:p>
+            <a:r>
+              <a:rPr lang="en-GB" b="1" dirty="0"/>
+              <a:t>Overly Large Chunks</a:t>
+            </a:r>
+            <a:endParaRPr lang="en-GB" dirty="0"/>
+          </a:p>
+          <a:p>
+            <a:pPr lvl="1"/>
+            <a:r>
+              <a:rPr lang="en-GB" dirty="0"/>
+              <a:t>Large chunks mean more data transfer and more tokens processed in the LLM prompt.</a:t>
+            </a:r>
+          </a:p>
+          <a:p>
+            <a:r>
+              <a:rPr lang="en-GB" b="1" dirty="0"/>
+              <a:t>High Top-k or Low Similarity Threshold</a:t>
+            </a:r>
+            <a:endParaRPr lang="en-GB" dirty="0"/>
+          </a:p>
+          <a:p>
+            <a:pPr lvl="1"/>
+            <a:r>
+              <a:rPr lang="en-GB" dirty="0"/>
+              <a:t>Requesting too many results or setting thresholds too low increases the result set and processing time.</a:t>
+            </a:r>
+          </a:p>
+          <a:p>
+            <a:r>
+              <a:rPr lang="en-GB" b="1" dirty="0"/>
+              <a:t>Under-Provisioned Hardware</a:t>
+            </a:r>
+            <a:endParaRPr lang="en-GB" dirty="0"/>
+          </a:p>
+          <a:p>
+            <a:pPr lvl="1"/>
+            <a:r>
+              <a:rPr lang="en-GB" dirty="0"/>
+              <a:t>CPU-only vector search on large datasets can bottleneck, especially if embeddings live in memory.</a:t>
+            </a:r>
+          </a:p>
+          <a:p>
+            <a:r>
+              <a:rPr lang="en-GB" b="1" dirty="0"/>
+              <a:t>Possible Fixes</a:t>
+            </a:r>
+          </a:p>
+          <a:p>
+            <a:r>
+              <a:rPr lang="en-GB" b="1" dirty="0"/>
+              <a:t>Use Approximate Nearest Neighbour (ANN) Search</a:t>
+            </a:r>
+            <a:endParaRPr lang="en-GB" dirty="0"/>
+          </a:p>
+          <a:p>
+            <a:pPr lvl="1"/>
+            <a:r>
+              <a:rPr lang="en-GB" dirty="0"/>
+              <a:t>Libraries like FAISS, Annoy, or </a:t>
+            </a:r>
+            <a:r>
+              <a:rPr lang="en-GB" dirty="0" err="1"/>
+              <a:t>ScaNN</a:t>
+            </a:r>
+            <a:r>
+              <a:rPr lang="en-GB" dirty="0"/>
+              <a:t> dramatically speed up similarity search with minimal recall loss.</a:t>
+            </a:r>
+          </a:p>
+          <a:p>
+            <a:pPr lvl="2"/>
+            <a:r>
+              <a:rPr lang="en-GB" dirty="0">
+                <a:hlinkClick r:id="rId3"/>
+              </a:rPr>
+              <a:t>FAISS</a:t>
+            </a:r>
+            <a:endParaRPr lang="en-GB" dirty="0"/>
+          </a:p>
+          <a:p>
+            <a:pPr lvl="2"/>
+            <a:r>
+              <a:rPr lang="en-GB" dirty="0">
+                <a:hlinkClick r:id="rId4"/>
+              </a:rPr>
+              <a:t>Annoy</a:t>
+            </a:r>
+            <a:endParaRPr lang="en-GB" dirty="0"/>
+          </a:p>
+          <a:p>
+            <a:pPr lvl="2"/>
+            <a:r>
+              <a:rPr lang="en-GB" dirty="0">
+                <a:hlinkClick r:id="rId5"/>
+              </a:rPr>
+              <a:t>ScaNN</a:t>
+            </a:r>
+            <a:endParaRPr lang="en-GB" dirty="0"/>
+          </a:p>
+          <a:p>
+            <a:r>
+              <a:rPr lang="en-GB" b="1" dirty="0"/>
+              <a:t>Filter with Metadata First</a:t>
+            </a:r>
+            <a:endParaRPr lang="en-GB" dirty="0"/>
+          </a:p>
+          <a:p>
+            <a:pPr lvl="1"/>
+            <a:r>
+              <a:rPr lang="en-GB" dirty="0"/>
+              <a:t>Before running a vector search, narrow the candidate set using filters like document type, date range, tags, etc.</a:t>
+            </a:r>
+          </a:p>
+          <a:p>
+            <a:r>
+              <a:rPr lang="en-GB" b="1" dirty="0"/>
+              <a:t>Optimise Chunk Size</a:t>
+            </a:r>
+            <a:endParaRPr lang="en-GB" dirty="0"/>
+          </a:p>
+          <a:p>
+            <a:pPr lvl="1"/>
+            <a:r>
+              <a:rPr lang="en-GB" dirty="0"/>
+              <a:t>Smaller chunks reduce retrieval and token-processing time.</a:t>
+            </a:r>
+          </a:p>
+          <a:p>
+            <a:r>
+              <a:rPr lang="en-GB" b="1" dirty="0"/>
+              <a:t>Tune Top-k and Similarity Thresholds</a:t>
+            </a:r>
+            <a:endParaRPr lang="en-GB" dirty="0"/>
+          </a:p>
+          <a:p>
+            <a:pPr lvl="1"/>
+            <a:r>
+              <a:rPr lang="en-GB" dirty="0"/>
+              <a:t>Retrieve only as many results as you truly need (e.g. top-3 instead of top-20).</a:t>
+            </a:r>
+          </a:p>
+          <a:p>
+            <a:r>
+              <a:rPr lang="en-GB" b="1" dirty="0"/>
+              <a:t>Parallelise Retrieval</a:t>
+            </a:r>
+            <a:endParaRPr lang="en-GB" dirty="0"/>
+          </a:p>
+          <a:p>
+            <a:pPr lvl="1"/>
+            <a:r>
+              <a:rPr lang="en-GB" dirty="0"/>
+              <a:t>Run vector lookups in parallel across shards or multiple processes.</a:t>
+            </a:r>
+          </a:p>
+          <a:p>
+            <a:r>
+              <a:rPr lang="en-GB" b="1" dirty="0"/>
+              <a:t>Hardware Acceleration</a:t>
+            </a:r>
+            <a:endParaRPr lang="en-GB" dirty="0"/>
+          </a:p>
+          <a:p>
+            <a:pPr lvl="1"/>
+            <a:r>
+              <a:rPr lang="en-GB" dirty="0"/>
+              <a:t>Consider GPUs for vector search if the library supports it (e.g. FAISS with GPU).</a:t>
+            </a:r>
+          </a:p>
+          <a:p>
+            <a:r>
+              <a:rPr lang="en-GB" b="1" dirty="0"/>
+              <a:t>Index Compression</a:t>
+            </a:r>
+            <a:endParaRPr lang="en-GB" dirty="0"/>
+          </a:p>
+          <a:p>
+            <a:pPr lvl="1"/>
+            <a:r>
+              <a:rPr lang="en-GB" dirty="0"/>
+              <a:t>Use techniques like Product Quantization in FAISS to speed up searches with reduced memory footprint.</a:t>
+            </a:r>
+          </a:p>
+          <a:p>
+            <a:r>
+              <a:rPr lang="en-GB" b="1" dirty="0"/>
+              <a:t>Updated Table Row Example:</a:t>
+            </a:r>
+            <a:endParaRPr lang="en-GB" dirty="0"/>
+          </a:p>
+          <a:p>
+            <a:r>
+              <a:rPr lang="en-GB" dirty="0"/>
+              <a:t>Problem Cause Fix Query is Slow Large index, brute-force search, high top-k, under-provisioned hardware Use ANN search (FAISS, Annoy), filter by metadata, optimise chunk size, tune retrieval parameters, consider GPU acceleration. </a:t>
+            </a:r>
+            <a:endParaRPr lang="en-US" dirty="0"/>
+          </a:p>
+        </p:txBody>
+      </p:sp>
+      <p:sp>
+        <p:nvSpPr>
+          <p:cNvPr id="4" name="Slide Number Placeholder 3"/>
+          <p:cNvSpPr>
+            <a:spLocks noGrp="1"/>
+          </p:cNvSpPr>
+          <p:nvPr>
+            <p:ph type="sldNum" sz="quarter" idx="5"/>
+          </p:nvPr>
+        </p:nvSpPr>
+        <p:spPr/>
+        <p:txBody>
+          <a:bodyPr/>
+          <a:lstStyle/>
+          <a:p>
+            <a:fld id="{DE6689AC-D979-8F40-9576-8927489825F5}" type="slidenum">
+              <a:rPr lang="en-US" smtClean="0"/>
+              <a:t>11</a:t>
+            </a:fld>
+            <a:endParaRPr lang="en-US"/>
+          </a:p>
+        </p:txBody>
+      </p:sp>
+    </p:spTree>
+    <p:extLst>
+      <p:ext uri="{BB962C8B-B14F-4D97-AF65-F5344CB8AC3E}">
+        <p14:creationId xmlns:p14="http://schemas.microsoft.com/office/powerpoint/2010/main" val="1850990086"/>
+      </p:ext>
+    </p:extLst>
+  </p:cSld>
+  <p:clrMapOvr>
+    <a:masterClrMapping/>
+  </p:clrMapOvr>
+</p:notes>
 </file>
 
 <file path=ppt/slideLayouts/slideLayout1.xml><?xml version="1.0" encoding="utf-8"?>
@@ -1892,7 +2222,7 @@
           <a:p>
             <a:fld id="{F6CCBF3A-D7FB-4B97-8FD5-6FFB20CB1E84}" type="datetimeFigureOut">
               <a:rPr lang="en-US" smtClean="0"/>
-              <a:t>6/26/25</a:t>
+              <a:t>6/29/25</a:t>
             </a:fld>
             <a:endParaRPr lang="en-US"/>
           </a:p>
@@ -3351,7 +3681,7 @@
           <a:p>
             <a:fld id="{F6CCBF3A-D7FB-4B97-8FD5-6FFB20CB1E84}" type="datetimeFigureOut">
               <a:rPr lang="en-US" smtClean="0"/>
-              <a:t>6/26/25</a:t>
+              <a:t>6/29/25</a:t>
             </a:fld>
             <a:endParaRPr lang="en-US"/>
           </a:p>
@@ -4804,7 +5134,7 @@
           <a:p>
             <a:fld id="{F6CCBF3A-D7FB-4B97-8FD5-6FFB20CB1E84}" type="datetimeFigureOut">
               <a:rPr lang="en-US" smtClean="0"/>
-              <a:t>6/26/25</a:t>
+              <a:t>6/29/25</a:t>
             </a:fld>
             <a:endParaRPr lang="en-US"/>
           </a:p>
@@ -7720,7 +8050,7 @@
           <a:p>
             <a:fld id="{F6CCBF3A-D7FB-4B97-8FD5-6FFB20CB1E84}" type="datetimeFigureOut">
               <a:rPr lang="en-US" smtClean="0"/>
-              <a:t>6/26/25</a:t>
+              <a:t>6/29/25</a:t>
             </a:fld>
             <a:endParaRPr lang="en-US"/>
           </a:p>
@@ -9964,7 +10294,7 @@
           <a:p>
             <a:fld id="{F6CCBF3A-D7FB-4B97-8FD5-6FFB20CB1E84}" type="datetimeFigureOut">
               <a:rPr lang="en-US" smtClean="0"/>
-              <a:t>6/26/25</a:t>
+              <a:t>6/29/25</a:t>
             </a:fld>
             <a:endParaRPr lang="en-US"/>
           </a:p>
@@ -11485,7 +11815,7 @@
           <a:p>
             <a:fld id="{F6CCBF3A-D7FB-4B97-8FD5-6FFB20CB1E84}" type="datetimeFigureOut">
               <a:rPr lang="en-US" smtClean="0"/>
-              <a:t>6/26/25</a:t>
+              <a:t>6/29/25</a:t>
             </a:fld>
             <a:endParaRPr lang="en-US"/>
           </a:p>
@@ -13150,7 +13480,7 @@
           <a:p>
             <a:fld id="{F6CCBF3A-D7FB-4B97-8FD5-6FFB20CB1E84}" type="datetimeFigureOut">
               <a:rPr lang="en-US" smtClean="0"/>
-              <a:t>6/26/25</a:t>
+              <a:t>6/29/25</a:t>
             </a:fld>
             <a:endParaRPr lang="en-US"/>
           </a:p>
@@ -14548,7 +14878,7 @@
           <a:p>
             <a:fld id="{F6CCBF3A-D7FB-4B97-8FD5-6FFB20CB1E84}" type="datetimeFigureOut">
               <a:rPr lang="en-US" smtClean="0"/>
-              <a:t>6/26/25</a:t>
+              <a:t>6/29/25</a:t>
             </a:fld>
             <a:endParaRPr lang="en-US"/>
           </a:p>
@@ -14648,7 +14978,7 @@
           <a:p>
             <a:fld id="{F6CCBF3A-D7FB-4B97-8FD5-6FFB20CB1E84}" type="datetimeFigureOut">
               <a:rPr lang="en-US" smtClean="0"/>
-              <a:t>6/26/25</a:t>
+              <a:t>6/29/25</a:t>
             </a:fld>
             <a:endParaRPr lang="en-US"/>
           </a:p>
@@ -16174,7 +16504,7 @@
           <a:p>
             <a:fld id="{F6CCBF3A-D7FB-4B97-8FD5-6FFB20CB1E84}" type="datetimeFigureOut">
               <a:rPr lang="en-US" smtClean="0"/>
-              <a:t>6/26/25</a:t>
+              <a:t>6/29/25</a:t>
             </a:fld>
             <a:endParaRPr lang="en-US"/>
           </a:p>
@@ -17710,7 +18040,7 @@
           <a:p>
             <a:fld id="{F6CCBF3A-D7FB-4B97-8FD5-6FFB20CB1E84}" type="datetimeFigureOut">
               <a:rPr lang="en-US" smtClean="0"/>
-              <a:t>6/26/25</a:t>
+              <a:t>6/29/25</a:t>
             </a:fld>
             <a:endParaRPr lang="en-US"/>
           </a:p>
@@ -17933,7 +18263,7 @@
           <a:p>
             <a:fld id="{F6CCBF3A-D7FB-4B97-8FD5-6FFB20CB1E84}" type="datetimeFigureOut">
               <a:rPr lang="en-US" smtClean="0"/>
-              <a:t>6/26/25</a:t>
+              <a:t>6/29/25</a:t>
             </a:fld>
             <a:endParaRPr lang="en-US"/>
           </a:p>
@@ -18785,6 +19115,480 @@
   <p:clrMapOvr>
     <a:masterClrMapping/>
   </p:clrMapOvr>
+  <p:timing>
+    <p:tnLst>
+      <p:par>
+        <p:cTn id="1" dur="indefinite" restart="never" nodeType="tmRoot">
+          <p:childTnLst>
+            <p:seq concurrent="1" nextAc="seek">
+              <p:cTn id="2" dur="indefinite" nodeType="mainSeq">
+                <p:childTnLst>
+                  <p:par>
+                    <p:cTn id="3" fill="hold">
+                      <p:stCondLst>
+                        <p:cond delay="indefinite"/>
+                      </p:stCondLst>
+                      <p:childTnLst>
+                        <p:par>
+                          <p:cTn id="4" fill="hold">
+                            <p:stCondLst>
+                              <p:cond delay="0"/>
+                            </p:stCondLst>
+                            <p:childTnLst>
+                              <p:par>
+                                <p:cTn id="5" presetID="1" presetClass="entr" presetSubtype="0" fill="hold" grpId="0" nodeType="clickEffect">
+                                  <p:stCondLst>
+                                    <p:cond delay="0"/>
+                                  </p:stCondLst>
+                                  <p:childTnLst>
+                                    <p:set>
+                                      <p:cBhvr>
+                                        <p:cTn id="6" dur="1" fill="hold">
+                                          <p:stCondLst>
+                                            <p:cond delay="0"/>
+                                          </p:stCondLst>
+                                        </p:cTn>
+                                        <p:tgtEl>
+                                          <p:spTgt spid="5">
+                                            <p:txEl>
+                                              <p:pRg st="0" end="0"/>
+                                            </p:txEl>
+                                          </p:spTgt>
+                                        </p:tgtEl>
+                                        <p:attrNameLst>
+                                          <p:attrName>style.visibility</p:attrName>
+                                        </p:attrNameLst>
+                                      </p:cBhvr>
+                                      <p:to>
+                                        <p:strVal val="visible"/>
+                                      </p:to>
+                                    </p:set>
+                                  </p:childTnLst>
+                                </p:cTn>
+                              </p:par>
+                            </p:childTnLst>
+                          </p:cTn>
+                        </p:par>
+                      </p:childTnLst>
+                    </p:cTn>
+                  </p:par>
+                  <p:par>
+                    <p:cTn id="7" fill="hold">
+                      <p:stCondLst>
+                        <p:cond delay="indefinite"/>
+                      </p:stCondLst>
+                      <p:childTnLst>
+                        <p:par>
+                          <p:cTn id="8" fill="hold">
+                            <p:stCondLst>
+                              <p:cond delay="0"/>
+                            </p:stCondLst>
+                            <p:childTnLst>
+                              <p:par>
+                                <p:cTn id="9" presetID="1" presetClass="entr" presetSubtype="0" fill="hold" grpId="0" nodeType="clickEffect">
+                                  <p:stCondLst>
+                                    <p:cond delay="0"/>
+                                  </p:stCondLst>
+                                  <p:childTnLst>
+                                    <p:set>
+                                      <p:cBhvr>
+                                        <p:cTn id="10" dur="1" fill="hold">
+                                          <p:stCondLst>
+                                            <p:cond delay="0"/>
+                                          </p:stCondLst>
+                                        </p:cTn>
+                                        <p:tgtEl>
+                                          <p:spTgt spid="5">
+                                            <p:txEl>
+                                              <p:pRg st="1" end="1"/>
+                                            </p:txEl>
+                                          </p:spTgt>
+                                        </p:tgtEl>
+                                        <p:attrNameLst>
+                                          <p:attrName>style.visibility</p:attrName>
+                                        </p:attrNameLst>
+                                      </p:cBhvr>
+                                      <p:to>
+                                        <p:strVal val="visible"/>
+                                      </p:to>
+                                    </p:set>
+                                  </p:childTnLst>
+                                </p:cTn>
+                              </p:par>
+                            </p:childTnLst>
+                          </p:cTn>
+                        </p:par>
+                      </p:childTnLst>
+                    </p:cTn>
+                  </p:par>
+                  <p:par>
+                    <p:cTn id="11" fill="hold">
+                      <p:stCondLst>
+                        <p:cond delay="indefinite"/>
+                      </p:stCondLst>
+                      <p:childTnLst>
+                        <p:par>
+                          <p:cTn id="12" fill="hold">
+                            <p:stCondLst>
+                              <p:cond delay="0"/>
+                            </p:stCondLst>
+                            <p:childTnLst>
+                              <p:par>
+                                <p:cTn id="13" presetID="1" presetClass="entr" presetSubtype="0" fill="hold" grpId="0" nodeType="clickEffect">
+                                  <p:stCondLst>
+                                    <p:cond delay="0"/>
+                                  </p:stCondLst>
+                                  <p:childTnLst>
+                                    <p:set>
+                                      <p:cBhvr>
+                                        <p:cTn id="14" dur="1" fill="hold">
+                                          <p:stCondLst>
+                                            <p:cond delay="0"/>
+                                          </p:stCondLst>
+                                        </p:cTn>
+                                        <p:tgtEl>
+                                          <p:spTgt spid="5">
+                                            <p:txEl>
+                                              <p:pRg st="2" end="2"/>
+                                            </p:txEl>
+                                          </p:spTgt>
+                                        </p:tgtEl>
+                                        <p:attrNameLst>
+                                          <p:attrName>style.visibility</p:attrName>
+                                        </p:attrNameLst>
+                                      </p:cBhvr>
+                                      <p:to>
+                                        <p:strVal val="visible"/>
+                                      </p:to>
+                                    </p:set>
+                                  </p:childTnLst>
+                                </p:cTn>
+                              </p:par>
+                            </p:childTnLst>
+                          </p:cTn>
+                        </p:par>
+                      </p:childTnLst>
+                    </p:cTn>
+                  </p:par>
+                  <p:par>
+                    <p:cTn id="15" fill="hold">
+                      <p:stCondLst>
+                        <p:cond delay="indefinite"/>
+                      </p:stCondLst>
+                      <p:childTnLst>
+                        <p:par>
+                          <p:cTn id="16" fill="hold">
+                            <p:stCondLst>
+                              <p:cond delay="0"/>
+                            </p:stCondLst>
+                            <p:childTnLst>
+                              <p:par>
+                                <p:cTn id="17" presetID="1" presetClass="entr" presetSubtype="0" fill="hold" grpId="0" nodeType="clickEffect">
+                                  <p:stCondLst>
+                                    <p:cond delay="0"/>
+                                  </p:stCondLst>
+                                  <p:childTnLst>
+                                    <p:set>
+                                      <p:cBhvr>
+                                        <p:cTn id="18" dur="1" fill="hold">
+                                          <p:stCondLst>
+                                            <p:cond delay="0"/>
+                                          </p:stCondLst>
+                                        </p:cTn>
+                                        <p:tgtEl>
+                                          <p:spTgt spid="5">
+                                            <p:txEl>
+                                              <p:pRg st="3" end="3"/>
+                                            </p:txEl>
+                                          </p:spTgt>
+                                        </p:tgtEl>
+                                        <p:attrNameLst>
+                                          <p:attrName>style.visibility</p:attrName>
+                                        </p:attrNameLst>
+                                      </p:cBhvr>
+                                      <p:to>
+                                        <p:strVal val="visible"/>
+                                      </p:to>
+                                    </p:set>
+                                  </p:childTnLst>
+                                </p:cTn>
+                              </p:par>
+                            </p:childTnLst>
+                          </p:cTn>
+                        </p:par>
+                      </p:childTnLst>
+                    </p:cTn>
+                  </p:par>
+                  <p:par>
+                    <p:cTn id="19" fill="hold">
+                      <p:stCondLst>
+                        <p:cond delay="indefinite"/>
+                      </p:stCondLst>
+                      <p:childTnLst>
+                        <p:par>
+                          <p:cTn id="20" fill="hold">
+                            <p:stCondLst>
+                              <p:cond delay="0"/>
+                            </p:stCondLst>
+                            <p:childTnLst>
+                              <p:par>
+                                <p:cTn id="21" presetID="1" presetClass="entr" presetSubtype="0" fill="hold" grpId="0" nodeType="clickEffect">
+                                  <p:stCondLst>
+                                    <p:cond delay="0"/>
+                                  </p:stCondLst>
+                                  <p:childTnLst>
+                                    <p:set>
+                                      <p:cBhvr>
+                                        <p:cTn id="22" dur="1" fill="hold">
+                                          <p:stCondLst>
+                                            <p:cond delay="0"/>
+                                          </p:stCondLst>
+                                        </p:cTn>
+                                        <p:tgtEl>
+                                          <p:spTgt spid="5">
+                                            <p:txEl>
+                                              <p:pRg st="4" end="4"/>
+                                            </p:txEl>
+                                          </p:spTgt>
+                                        </p:tgtEl>
+                                        <p:attrNameLst>
+                                          <p:attrName>style.visibility</p:attrName>
+                                        </p:attrNameLst>
+                                      </p:cBhvr>
+                                      <p:to>
+                                        <p:strVal val="visible"/>
+                                      </p:to>
+                                    </p:set>
+                                  </p:childTnLst>
+                                </p:cTn>
+                              </p:par>
+                            </p:childTnLst>
+                          </p:cTn>
+                        </p:par>
+                      </p:childTnLst>
+                    </p:cTn>
+                  </p:par>
+                  <p:par>
+                    <p:cTn id="23" fill="hold">
+                      <p:stCondLst>
+                        <p:cond delay="indefinite"/>
+                      </p:stCondLst>
+                      <p:childTnLst>
+                        <p:par>
+                          <p:cTn id="24" fill="hold">
+                            <p:stCondLst>
+                              <p:cond delay="0"/>
+                            </p:stCondLst>
+                            <p:childTnLst>
+                              <p:par>
+                                <p:cTn id="25" presetID="1" presetClass="entr" presetSubtype="0" fill="hold" grpId="0" nodeType="clickEffect">
+                                  <p:stCondLst>
+                                    <p:cond delay="0"/>
+                                  </p:stCondLst>
+                                  <p:childTnLst>
+                                    <p:set>
+                                      <p:cBhvr>
+                                        <p:cTn id="26" dur="1" fill="hold">
+                                          <p:stCondLst>
+                                            <p:cond delay="0"/>
+                                          </p:stCondLst>
+                                        </p:cTn>
+                                        <p:tgtEl>
+                                          <p:spTgt spid="5">
+                                            <p:txEl>
+                                              <p:pRg st="5" end="5"/>
+                                            </p:txEl>
+                                          </p:spTgt>
+                                        </p:tgtEl>
+                                        <p:attrNameLst>
+                                          <p:attrName>style.visibility</p:attrName>
+                                        </p:attrNameLst>
+                                      </p:cBhvr>
+                                      <p:to>
+                                        <p:strVal val="visible"/>
+                                      </p:to>
+                                    </p:set>
+                                  </p:childTnLst>
+                                </p:cTn>
+                              </p:par>
+                            </p:childTnLst>
+                          </p:cTn>
+                        </p:par>
+                      </p:childTnLst>
+                    </p:cTn>
+                  </p:par>
+                  <p:par>
+                    <p:cTn id="27" fill="hold">
+                      <p:stCondLst>
+                        <p:cond delay="indefinite"/>
+                      </p:stCondLst>
+                      <p:childTnLst>
+                        <p:par>
+                          <p:cTn id="28" fill="hold">
+                            <p:stCondLst>
+                              <p:cond delay="0"/>
+                            </p:stCondLst>
+                            <p:childTnLst>
+                              <p:par>
+                                <p:cTn id="29" presetID="1" presetClass="entr" presetSubtype="0" fill="hold" grpId="0" nodeType="clickEffect">
+                                  <p:stCondLst>
+                                    <p:cond delay="0"/>
+                                  </p:stCondLst>
+                                  <p:childTnLst>
+                                    <p:set>
+                                      <p:cBhvr>
+                                        <p:cTn id="30" dur="1" fill="hold">
+                                          <p:stCondLst>
+                                            <p:cond delay="0"/>
+                                          </p:stCondLst>
+                                        </p:cTn>
+                                        <p:tgtEl>
+                                          <p:spTgt spid="5">
+                                            <p:txEl>
+                                              <p:pRg st="6" end="6"/>
+                                            </p:txEl>
+                                          </p:spTgt>
+                                        </p:tgtEl>
+                                        <p:attrNameLst>
+                                          <p:attrName>style.visibility</p:attrName>
+                                        </p:attrNameLst>
+                                      </p:cBhvr>
+                                      <p:to>
+                                        <p:strVal val="visible"/>
+                                      </p:to>
+                                    </p:set>
+                                  </p:childTnLst>
+                                </p:cTn>
+                              </p:par>
+                            </p:childTnLst>
+                          </p:cTn>
+                        </p:par>
+                      </p:childTnLst>
+                    </p:cTn>
+                  </p:par>
+                  <p:par>
+                    <p:cTn id="31" fill="hold">
+                      <p:stCondLst>
+                        <p:cond delay="indefinite"/>
+                      </p:stCondLst>
+                      <p:childTnLst>
+                        <p:par>
+                          <p:cTn id="32" fill="hold">
+                            <p:stCondLst>
+                              <p:cond delay="0"/>
+                            </p:stCondLst>
+                            <p:childTnLst>
+                              <p:par>
+                                <p:cTn id="33" presetID="1" presetClass="entr" presetSubtype="0" fill="hold" grpId="0" nodeType="clickEffect">
+                                  <p:stCondLst>
+                                    <p:cond delay="0"/>
+                                  </p:stCondLst>
+                                  <p:childTnLst>
+                                    <p:set>
+                                      <p:cBhvr>
+                                        <p:cTn id="34" dur="1" fill="hold">
+                                          <p:stCondLst>
+                                            <p:cond delay="0"/>
+                                          </p:stCondLst>
+                                        </p:cTn>
+                                        <p:tgtEl>
+                                          <p:spTgt spid="5">
+                                            <p:txEl>
+                                              <p:pRg st="7" end="7"/>
+                                            </p:txEl>
+                                          </p:spTgt>
+                                        </p:tgtEl>
+                                        <p:attrNameLst>
+                                          <p:attrName>style.visibility</p:attrName>
+                                        </p:attrNameLst>
+                                      </p:cBhvr>
+                                      <p:to>
+                                        <p:strVal val="visible"/>
+                                      </p:to>
+                                    </p:set>
+                                  </p:childTnLst>
+                                </p:cTn>
+                              </p:par>
+                            </p:childTnLst>
+                          </p:cTn>
+                        </p:par>
+                      </p:childTnLst>
+                    </p:cTn>
+                  </p:par>
+                  <p:par>
+                    <p:cTn id="35" fill="hold">
+                      <p:stCondLst>
+                        <p:cond delay="indefinite"/>
+                      </p:stCondLst>
+                      <p:childTnLst>
+                        <p:par>
+                          <p:cTn id="36" fill="hold">
+                            <p:stCondLst>
+                              <p:cond delay="0"/>
+                            </p:stCondLst>
+                            <p:childTnLst>
+                              <p:par>
+                                <p:cTn id="37" presetID="1" presetClass="entr" presetSubtype="0" fill="hold" grpId="0" nodeType="clickEffect">
+                                  <p:stCondLst>
+                                    <p:cond delay="0"/>
+                                  </p:stCondLst>
+                                  <p:childTnLst>
+                                    <p:set>
+                                      <p:cBhvr>
+                                        <p:cTn id="38" dur="1" fill="hold">
+                                          <p:stCondLst>
+                                            <p:cond delay="0"/>
+                                          </p:stCondLst>
+                                        </p:cTn>
+                                        <p:tgtEl>
+                                          <p:spTgt spid="5">
+                                            <p:txEl>
+                                              <p:pRg st="9" end="9"/>
+                                            </p:txEl>
+                                          </p:spTgt>
+                                        </p:tgtEl>
+                                        <p:attrNameLst>
+                                          <p:attrName>style.visibility</p:attrName>
+                                        </p:attrNameLst>
+                                      </p:cBhvr>
+                                      <p:to>
+                                        <p:strVal val="visible"/>
+                                      </p:to>
+                                    </p:set>
+                                  </p:childTnLst>
+                                </p:cTn>
+                              </p:par>
+                            </p:childTnLst>
+                          </p:cTn>
+                        </p:par>
+                      </p:childTnLst>
+                    </p:cTn>
+                  </p:par>
+                </p:childTnLst>
+              </p:cTn>
+              <p:prevCondLst>
+                <p:cond evt="onPrev" delay="0">
+                  <p:tgtEl>
+                    <p:sldTgt/>
+                  </p:tgtEl>
+                </p:cond>
+              </p:prevCondLst>
+              <p:nextCondLst>
+                <p:cond evt="onNext" delay="0">
+                  <p:tgtEl>
+                    <p:sldTgt/>
+                  </p:tgtEl>
+                </p:cond>
+              </p:nextCondLst>
+            </p:seq>
+          </p:childTnLst>
+        </p:cTn>
+      </p:par>
+    </p:tnLst>
+    <p:bldLst>
+      <p:bldP spid="5" grpId="0" build="p"/>
+    </p:bldLst>
+  </p:timing>
 </p:sld>
 </file>
 
@@ -18821,84 +19625,21 @@
             <p:ph type="title"/>
           </p:nvPr>
         </p:nvSpPr>
-        <p:spPr/>
+        <p:spPr>
+          <a:xfrm>
+            <a:off x="891161" y="1"/>
+            <a:ext cx="11300839" cy="1056903"/>
+          </a:xfrm>
+        </p:spPr>
         <p:txBody>
           <a:bodyPr>
-            <a:normAutofit fontScale="90000"/>
+            <a:normAutofit/>
           </a:bodyPr>
           <a:lstStyle/>
           <a:p>
             <a:r>
               <a:rPr lang="en-GB" i="1" dirty="0"/>
               <a:t>Troubleshooting Vector Retrieval &amp; LLM Augmentation</a:t>
-            </a:r>
-            <a:endParaRPr lang="en-US" dirty="0"/>
-          </a:p>
-        </p:txBody>
-      </p:sp>
-      <p:sp>
-        <p:nvSpPr>
-          <p:cNvPr id="3" name="Slide Number Placeholder 2">
-            <a:extLst>
-              <a:ext uri="{FF2B5EF4-FFF2-40B4-BE49-F238E27FC236}">
-                <a16:creationId xmlns:a16="http://schemas.microsoft.com/office/drawing/2014/main" id="{85248ABD-075E-64E2-AF2C-510469CA061D}"/>
-              </a:ext>
-            </a:extLst>
-          </p:cNvPr>
-          <p:cNvSpPr>
-            <a:spLocks noGrp="1"/>
-          </p:cNvSpPr>
-          <p:nvPr>
-            <p:ph type="sldNum" sz="quarter" idx="10"/>
-          </p:nvPr>
-        </p:nvSpPr>
-        <p:spPr/>
-        <p:txBody>
-          <a:bodyPr/>
-          <a:lstStyle/>
-          <a:p>
-            <a:pPr algn="r"/>
-            <a:fld id="{8FB4CE90-470A-43E3-A052-3E8AD880B4A5}" type="slidenum">
-              <a:rPr lang="en-US" smtClean="0"/>
-              <a:pPr algn="r"/>
-              <a:t>11</a:t>
-            </a:fld>
-            <a:endParaRPr lang="en-US"/>
-          </a:p>
-        </p:txBody>
-      </p:sp>
-      <p:sp>
-        <p:nvSpPr>
-          <p:cNvPr id="4" name="Footer Placeholder 3">
-            <a:extLst>
-              <a:ext uri="{FF2B5EF4-FFF2-40B4-BE49-F238E27FC236}">
-                <a16:creationId xmlns:a16="http://schemas.microsoft.com/office/drawing/2014/main" id="{31D3AD13-5FCF-AC24-970F-AECC1409FE7C}"/>
-              </a:ext>
-            </a:extLst>
-          </p:cNvPr>
-          <p:cNvSpPr>
-            <a:spLocks noGrp="1"/>
-          </p:cNvSpPr>
-          <p:nvPr>
-            <p:ph type="ftr" sz="quarter" idx="11"/>
-          </p:nvPr>
-        </p:nvSpPr>
-        <p:spPr/>
-        <p:txBody>
-          <a:bodyPr/>
-          <a:lstStyle/>
-          <a:p>
-            <a:pPr algn="ctr">
-              <a:lnSpc>
-                <a:spcPct val="90000"/>
-              </a:lnSpc>
-              <a:spcBef>
-                <a:spcPts val="1000"/>
-              </a:spcBef>
-            </a:pPr>
-            <a:r>
-              <a:rPr lang="en-US"/>
-              <a:t>Confidential &amp; Proprietary – Not for Distribution</a:t>
             </a:r>
             <a:endParaRPr lang="en-US" dirty="0"/>
           </a:p>
@@ -18918,11 +19659,16 @@
           </p:cNvGraphicFramePr>
           <p:nvPr>
             <p:ph sz="quarter" idx="12"/>
+            <p:extLst>
+              <p:ext uri="{D42A27DB-BD31-4B8C-83A1-F6EECF244321}">
+                <p14:modId xmlns:p14="http://schemas.microsoft.com/office/powerpoint/2010/main" val="1177815156"/>
+              </p:ext>
+            </p:extLst>
           </p:nvPr>
         </p:nvGraphicFramePr>
         <p:xfrm>
-          <a:off x="240631" y="1451505"/>
-          <a:ext cx="11734800" cy="3759200"/>
+          <a:off x="228600" y="1551940"/>
+          <a:ext cx="11734800" cy="5120640"/>
         </p:xfrm>
         <a:graphic>
           <a:graphicData uri="http://schemas.openxmlformats.org/drawingml/2006/table">
@@ -18953,7 +19699,7 @@
                   </a:extLst>
                 </a:gridCol>
               </a:tblGrid>
-              <a:tr h="370840">
+              <a:tr h="0">
                 <a:tc>
                   <a:txBody>
                     <a:bodyPr/>
@@ -18974,10 +19720,10 @@
                     <a:lstStyle/>
                     <a:p>
                       <a:r>
-                        <a:rPr lang="en-GB" b="1"/>
+                        <a:rPr lang="en-GB" b="1" dirty="0"/>
                         <a:t>Cause</a:t>
                       </a:r>
-                      <a:endParaRPr lang="en-GB"/>
+                      <a:endParaRPr lang="en-GB" dirty="0"/>
                     </a:p>
                   </a:txBody>
                   <a:tcPr anchor="ctr"/>
@@ -19131,10 +19877,10 @@
                     <a:lstStyle/>
                     <a:p>
                       <a:r>
-                        <a:rPr lang="en-GB" b="1"/>
+                        <a:rPr lang="en-GB" b="1" dirty="0"/>
                         <a:t>LLM Response Is Too Generic</a:t>
                       </a:r>
-                      <a:endParaRPr lang="en-GB"/>
+                      <a:endParaRPr lang="en-GB" dirty="0"/>
                     </a:p>
                   </a:txBody>
                   <a:tcPr anchor="ctr"/>
@@ -19205,10 +19951,9 @@
                     <a:lstStyle/>
                     <a:p>
                       <a:r>
-                        <a:rPr lang="en-GB" b="1"/>
-                        <a:t>Query is Slow</a:t>
+                        <a:rPr lang="en-GB" b="0" dirty="0"/>
+                        <a:t>Lots of possibilities: Large vector index, inefficient similarity search, overly large chunks, high top-k, low similarity threshold, under-provisioned hardware</a:t>
                       </a:r>
-                      <a:endParaRPr lang="en-GB"/>
                     </a:p>
                   </a:txBody>
                   <a:tcPr anchor="ctr"/>
@@ -19219,10 +19964,9 @@
                     <a:lstStyle/>
                     <a:p>
                       <a:r>
-                        <a:rPr lang="en-GB" b="1" dirty="0"/>
-                        <a:t>Query is Slow</a:t>
+                        <a:rPr lang="en-GB" b="0" dirty="0"/>
+                        <a:t>Lots of possible fixes: use approximate nearest neighbour, filter with metadata first, optimise chunk size, tune thresholds, parallelise retrieval, hardware acceleration, index compression</a:t>
                       </a:r>
-                      <a:endParaRPr lang="en-GB" dirty="0"/>
                     </a:p>
                   </a:txBody>
                   <a:tcPr anchor="ctr"/>
@@ -19247,6 +19991,81 @@
   <p:clrMapOvr>
     <a:masterClrMapping/>
   </p:clrMapOvr>
+  <p:timing>
+    <p:tnLst>
+      <p:par>
+        <p:cTn id="1" dur="indefinite" restart="never" nodeType="tmRoot">
+          <p:childTnLst>
+            <p:seq concurrent="1" nextAc="seek">
+              <p:cTn id="2" dur="indefinite" nodeType="mainSeq">
+                <p:childTnLst>
+                  <p:par>
+                    <p:cTn id="3" fill="hold">
+                      <p:stCondLst>
+                        <p:cond delay="indefinite"/>
+                      </p:stCondLst>
+                      <p:childTnLst>
+                        <p:par>
+                          <p:cTn id="4" fill="hold">
+                            <p:stCondLst>
+                              <p:cond delay="0"/>
+                            </p:stCondLst>
+                            <p:childTnLst>
+                              <p:par>
+                                <p:cTn id="5" presetID="1" presetClass="entr" presetSubtype="0" fill="hold" nodeType="clickEffect">
+                                  <p:stCondLst>
+                                    <p:cond delay="0"/>
+                                  </p:stCondLst>
+                                  <p:childTnLst>
+                                    <p:set>
+                                      <p:cBhvr>
+                                        <p:cTn id="6" dur="1" fill="hold">
+                                          <p:stCondLst>
+                                            <p:cond delay="0"/>
+                                          </p:stCondLst>
+                                        </p:cTn>
+                                        <p:tgtEl>
+                                          <p:spTgt spid="6"/>
+                                        </p:tgtEl>
+                                        <p:attrNameLst>
+                                          <p:attrName>style.visibility</p:attrName>
+                                        </p:attrNameLst>
+                                      </p:cBhvr>
+                                      <p:to>
+                                        <p:strVal val="visible"/>
+                                      </p:to>
+                                    </p:set>
+                                  </p:childTnLst>
+                                </p:cTn>
+                              </p:par>
+                            </p:childTnLst>
+                          </p:cTn>
+                        </p:par>
+                      </p:childTnLst>
+                    </p:cTn>
+                  </p:par>
+                </p:childTnLst>
+              </p:cTn>
+              <p:prevCondLst>
+                <p:cond evt="onPrev" delay="0">
+                  <p:tgtEl>
+                    <p:sldTgt/>
+                  </p:tgtEl>
+                </p:cond>
+              </p:prevCondLst>
+              <p:nextCondLst>
+                <p:cond evt="onNext" delay="0">
+                  <p:tgtEl>
+                    <p:sldTgt/>
+                  </p:tgtEl>
+                </p:cond>
+              </p:nextCondLst>
+            </p:seq>
+          </p:childTnLst>
+        </p:cTn>
+      </p:par>
+    </p:tnLst>
+  </p:timing>
 </p:sld>
 </file>
 
@@ -19486,6 +20305,726 @@
   <p:clrMapOvr>
     <a:masterClrMapping/>
   </p:clrMapOvr>
+  <p:timing>
+    <p:tnLst>
+      <p:par>
+        <p:cTn id="1" dur="indefinite" restart="never" nodeType="tmRoot">
+          <p:childTnLst>
+            <p:seq concurrent="1" nextAc="seek">
+              <p:cTn id="2" dur="indefinite" nodeType="mainSeq">
+                <p:childTnLst>
+                  <p:par>
+                    <p:cTn id="3" fill="hold">
+                      <p:stCondLst>
+                        <p:cond delay="indefinite"/>
+                      </p:stCondLst>
+                      <p:childTnLst>
+                        <p:par>
+                          <p:cTn id="4" fill="hold">
+                            <p:stCondLst>
+                              <p:cond delay="0"/>
+                            </p:stCondLst>
+                            <p:childTnLst>
+                              <p:par>
+                                <p:cTn id="5" presetID="1" presetClass="entr" presetSubtype="0" fill="hold" grpId="0" nodeType="clickEffect">
+                                  <p:stCondLst>
+                                    <p:cond delay="0"/>
+                                  </p:stCondLst>
+                                  <p:childTnLst>
+                                    <p:set>
+                                      <p:cBhvr>
+                                        <p:cTn id="6" dur="1" fill="hold">
+                                          <p:stCondLst>
+                                            <p:cond delay="0"/>
+                                          </p:stCondLst>
+                                        </p:cTn>
+                                        <p:tgtEl>
+                                          <p:spTgt spid="5">
+                                            <p:txEl>
+                                              <p:pRg st="0" end="0"/>
+                                            </p:txEl>
+                                          </p:spTgt>
+                                        </p:tgtEl>
+                                        <p:attrNameLst>
+                                          <p:attrName>style.visibility</p:attrName>
+                                        </p:attrNameLst>
+                                      </p:cBhvr>
+                                      <p:to>
+                                        <p:strVal val="visible"/>
+                                      </p:to>
+                                    </p:set>
+                                  </p:childTnLst>
+                                </p:cTn>
+                              </p:par>
+                            </p:childTnLst>
+                          </p:cTn>
+                        </p:par>
+                      </p:childTnLst>
+                    </p:cTn>
+                  </p:par>
+                  <p:par>
+                    <p:cTn id="7" fill="hold">
+                      <p:stCondLst>
+                        <p:cond delay="indefinite"/>
+                      </p:stCondLst>
+                      <p:childTnLst>
+                        <p:par>
+                          <p:cTn id="8" fill="hold">
+                            <p:stCondLst>
+                              <p:cond delay="0"/>
+                            </p:stCondLst>
+                            <p:childTnLst>
+                              <p:par>
+                                <p:cTn id="9" presetID="1" presetClass="entr" presetSubtype="0" fill="hold" grpId="0" nodeType="clickEffect">
+                                  <p:stCondLst>
+                                    <p:cond delay="0"/>
+                                  </p:stCondLst>
+                                  <p:childTnLst>
+                                    <p:set>
+                                      <p:cBhvr>
+                                        <p:cTn id="10" dur="1" fill="hold">
+                                          <p:stCondLst>
+                                            <p:cond delay="0"/>
+                                          </p:stCondLst>
+                                        </p:cTn>
+                                        <p:tgtEl>
+                                          <p:spTgt spid="5">
+                                            <p:txEl>
+                                              <p:pRg st="1" end="1"/>
+                                            </p:txEl>
+                                          </p:spTgt>
+                                        </p:tgtEl>
+                                        <p:attrNameLst>
+                                          <p:attrName>style.visibility</p:attrName>
+                                        </p:attrNameLst>
+                                      </p:cBhvr>
+                                      <p:to>
+                                        <p:strVal val="visible"/>
+                                      </p:to>
+                                    </p:set>
+                                  </p:childTnLst>
+                                </p:cTn>
+                              </p:par>
+                            </p:childTnLst>
+                          </p:cTn>
+                        </p:par>
+                      </p:childTnLst>
+                    </p:cTn>
+                  </p:par>
+                  <p:par>
+                    <p:cTn id="11" fill="hold">
+                      <p:stCondLst>
+                        <p:cond delay="indefinite"/>
+                      </p:stCondLst>
+                      <p:childTnLst>
+                        <p:par>
+                          <p:cTn id="12" fill="hold">
+                            <p:stCondLst>
+                              <p:cond delay="0"/>
+                            </p:stCondLst>
+                            <p:childTnLst>
+                              <p:par>
+                                <p:cTn id="13" presetID="1" presetClass="entr" presetSubtype="0" fill="hold" grpId="0" nodeType="clickEffect">
+                                  <p:stCondLst>
+                                    <p:cond delay="0"/>
+                                  </p:stCondLst>
+                                  <p:childTnLst>
+                                    <p:set>
+                                      <p:cBhvr>
+                                        <p:cTn id="14" dur="1" fill="hold">
+                                          <p:stCondLst>
+                                            <p:cond delay="0"/>
+                                          </p:stCondLst>
+                                        </p:cTn>
+                                        <p:tgtEl>
+                                          <p:spTgt spid="5">
+                                            <p:txEl>
+                                              <p:pRg st="2" end="2"/>
+                                            </p:txEl>
+                                          </p:spTgt>
+                                        </p:tgtEl>
+                                        <p:attrNameLst>
+                                          <p:attrName>style.visibility</p:attrName>
+                                        </p:attrNameLst>
+                                      </p:cBhvr>
+                                      <p:to>
+                                        <p:strVal val="visible"/>
+                                      </p:to>
+                                    </p:set>
+                                  </p:childTnLst>
+                                </p:cTn>
+                              </p:par>
+                            </p:childTnLst>
+                          </p:cTn>
+                        </p:par>
+                      </p:childTnLst>
+                    </p:cTn>
+                  </p:par>
+                  <p:par>
+                    <p:cTn id="15" fill="hold">
+                      <p:stCondLst>
+                        <p:cond delay="indefinite"/>
+                      </p:stCondLst>
+                      <p:childTnLst>
+                        <p:par>
+                          <p:cTn id="16" fill="hold">
+                            <p:stCondLst>
+                              <p:cond delay="0"/>
+                            </p:stCondLst>
+                            <p:childTnLst>
+                              <p:par>
+                                <p:cTn id="17" presetID="1" presetClass="entr" presetSubtype="0" fill="hold" grpId="0" nodeType="clickEffect">
+                                  <p:stCondLst>
+                                    <p:cond delay="0"/>
+                                  </p:stCondLst>
+                                  <p:childTnLst>
+                                    <p:set>
+                                      <p:cBhvr>
+                                        <p:cTn id="18" dur="1" fill="hold">
+                                          <p:stCondLst>
+                                            <p:cond delay="0"/>
+                                          </p:stCondLst>
+                                        </p:cTn>
+                                        <p:tgtEl>
+                                          <p:spTgt spid="5">
+                                            <p:txEl>
+                                              <p:pRg st="3" end="3"/>
+                                            </p:txEl>
+                                          </p:spTgt>
+                                        </p:tgtEl>
+                                        <p:attrNameLst>
+                                          <p:attrName>style.visibility</p:attrName>
+                                        </p:attrNameLst>
+                                      </p:cBhvr>
+                                      <p:to>
+                                        <p:strVal val="visible"/>
+                                      </p:to>
+                                    </p:set>
+                                  </p:childTnLst>
+                                </p:cTn>
+                              </p:par>
+                            </p:childTnLst>
+                          </p:cTn>
+                        </p:par>
+                      </p:childTnLst>
+                    </p:cTn>
+                  </p:par>
+                  <p:par>
+                    <p:cTn id="19" fill="hold">
+                      <p:stCondLst>
+                        <p:cond delay="indefinite"/>
+                      </p:stCondLst>
+                      <p:childTnLst>
+                        <p:par>
+                          <p:cTn id="20" fill="hold">
+                            <p:stCondLst>
+                              <p:cond delay="0"/>
+                            </p:stCondLst>
+                            <p:childTnLst>
+                              <p:par>
+                                <p:cTn id="21" presetID="1" presetClass="entr" presetSubtype="0" fill="hold" grpId="0" nodeType="clickEffect">
+                                  <p:stCondLst>
+                                    <p:cond delay="0"/>
+                                  </p:stCondLst>
+                                  <p:childTnLst>
+                                    <p:set>
+                                      <p:cBhvr>
+                                        <p:cTn id="22" dur="1" fill="hold">
+                                          <p:stCondLst>
+                                            <p:cond delay="0"/>
+                                          </p:stCondLst>
+                                        </p:cTn>
+                                        <p:tgtEl>
+                                          <p:spTgt spid="5">
+                                            <p:txEl>
+                                              <p:pRg st="4" end="4"/>
+                                            </p:txEl>
+                                          </p:spTgt>
+                                        </p:tgtEl>
+                                        <p:attrNameLst>
+                                          <p:attrName>style.visibility</p:attrName>
+                                        </p:attrNameLst>
+                                      </p:cBhvr>
+                                      <p:to>
+                                        <p:strVal val="visible"/>
+                                      </p:to>
+                                    </p:set>
+                                  </p:childTnLst>
+                                </p:cTn>
+                              </p:par>
+                            </p:childTnLst>
+                          </p:cTn>
+                        </p:par>
+                      </p:childTnLst>
+                    </p:cTn>
+                  </p:par>
+                  <p:par>
+                    <p:cTn id="23" fill="hold">
+                      <p:stCondLst>
+                        <p:cond delay="indefinite"/>
+                      </p:stCondLst>
+                      <p:childTnLst>
+                        <p:par>
+                          <p:cTn id="24" fill="hold">
+                            <p:stCondLst>
+                              <p:cond delay="0"/>
+                            </p:stCondLst>
+                            <p:childTnLst>
+                              <p:par>
+                                <p:cTn id="25" presetID="1" presetClass="entr" presetSubtype="0" fill="hold" grpId="0" nodeType="clickEffect">
+                                  <p:stCondLst>
+                                    <p:cond delay="0"/>
+                                  </p:stCondLst>
+                                  <p:childTnLst>
+                                    <p:set>
+                                      <p:cBhvr>
+                                        <p:cTn id="26" dur="1" fill="hold">
+                                          <p:stCondLst>
+                                            <p:cond delay="0"/>
+                                          </p:stCondLst>
+                                        </p:cTn>
+                                        <p:tgtEl>
+                                          <p:spTgt spid="5">
+                                            <p:txEl>
+                                              <p:pRg st="5" end="5"/>
+                                            </p:txEl>
+                                          </p:spTgt>
+                                        </p:tgtEl>
+                                        <p:attrNameLst>
+                                          <p:attrName>style.visibility</p:attrName>
+                                        </p:attrNameLst>
+                                      </p:cBhvr>
+                                      <p:to>
+                                        <p:strVal val="visible"/>
+                                      </p:to>
+                                    </p:set>
+                                  </p:childTnLst>
+                                </p:cTn>
+                              </p:par>
+                            </p:childTnLst>
+                          </p:cTn>
+                        </p:par>
+                      </p:childTnLst>
+                    </p:cTn>
+                  </p:par>
+                  <p:par>
+                    <p:cTn id="27" fill="hold">
+                      <p:stCondLst>
+                        <p:cond delay="indefinite"/>
+                      </p:stCondLst>
+                      <p:childTnLst>
+                        <p:par>
+                          <p:cTn id="28" fill="hold">
+                            <p:stCondLst>
+                              <p:cond delay="0"/>
+                            </p:stCondLst>
+                            <p:childTnLst>
+                              <p:par>
+                                <p:cTn id="29" presetID="1" presetClass="entr" presetSubtype="0" fill="hold" grpId="0" nodeType="clickEffect">
+                                  <p:stCondLst>
+                                    <p:cond delay="0"/>
+                                  </p:stCondLst>
+                                  <p:childTnLst>
+                                    <p:set>
+                                      <p:cBhvr>
+                                        <p:cTn id="30" dur="1" fill="hold">
+                                          <p:stCondLst>
+                                            <p:cond delay="0"/>
+                                          </p:stCondLst>
+                                        </p:cTn>
+                                        <p:tgtEl>
+                                          <p:spTgt spid="5">
+                                            <p:txEl>
+                                              <p:pRg st="6" end="6"/>
+                                            </p:txEl>
+                                          </p:spTgt>
+                                        </p:tgtEl>
+                                        <p:attrNameLst>
+                                          <p:attrName>style.visibility</p:attrName>
+                                        </p:attrNameLst>
+                                      </p:cBhvr>
+                                      <p:to>
+                                        <p:strVal val="visible"/>
+                                      </p:to>
+                                    </p:set>
+                                  </p:childTnLst>
+                                </p:cTn>
+                              </p:par>
+                            </p:childTnLst>
+                          </p:cTn>
+                        </p:par>
+                      </p:childTnLst>
+                    </p:cTn>
+                  </p:par>
+                  <p:par>
+                    <p:cTn id="31" fill="hold">
+                      <p:stCondLst>
+                        <p:cond delay="indefinite"/>
+                      </p:stCondLst>
+                      <p:childTnLst>
+                        <p:par>
+                          <p:cTn id="32" fill="hold">
+                            <p:stCondLst>
+                              <p:cond delay="0"/>
+                            </p:stCondLst>
+                            <p:childTnLst>
+                              <p:par>
+                                <p:cTn id="33" presetID="1" presetClass="entr" presetSubtype="0" fill="hold" grpId="1" nodeType="clickEffect">
+                                  <p:stCondLst>
+                                    <p:cond delay="0"/>
+                                  </p:stCondLst>
+                                  <p:childTnLst>
+                                    <p:set>
+                                      <p:cBhvr>
+                                        <p:cTn id="34" dur="1" fill="hold">
+                                          <p:stCondLst>
+                                            <p:cond delay="0"/>
+                                          </p:stCondLst>
+                                        </p:cTn>
+                                        <p:tgtEl>
+                                          <p:spTgt spid="5">
+                                            <p:txEl>
+                                              <p:pRg st="0" end="0"/>
+                                            </p:txEl>
+                                          </p:spTgt>
+                                        </p:tgtEl>
+                                        <p:attrNameLst>
+                                          <p:attrName>style.visibility</p:attrName>
+                                        </p:attrNameLst>
+                                      </p:cBhvr>
+                                      <p:to>
+                                        <p:strVal val="visible"/>
+                                      </p:to>
+                                    </p:set>
+                                  </p:childTnLst>
+                                </p:cTn>
+                              </p:par>
+                            </p:childTnLst>
+                          </p:cTn>
+                        </p:par>
+                      </p:childTnLst>
+                    </p:cTn>
+                  </p:par>
+                  <p:par>
+                    <p:cTn id="35" fill="hold">
+                      <p:stCondLst>
+                        <p:cond delay="indefinite"/>
+                      </p:stCondLst>
+                      <p:childTnLst>
+                        <p:par>
+                          <p:cTn id="36" fill="hold">
+                            <p:stCondLst>
+                              <p:cond delay="0"/>
+                            </p:stCondLst>
+                            <p:childTnLst>
+                              <p:par>
+                                <p:cTn id="37" presetID="1" presetClass="entr" presetSubtype="0" fill="hold" grpId="1" nodeType="clickEffect">
+                                  <p:stCondLst>
+                                    <p:cond delay="0"/>
+                                  </p:stCondLst>
+                                  <p:childTnLst>
+                                    <p:set>
+                                      <p:cBhvr>
+                                        <p:cTn id="38" dur="1" fill="hold">
+                                          <p:stCondLst>
+                                            <p:cond delay="0"/>
+                                          </p:stCondLst>
+                                        </p:cTn>
+                                        <p:tgtEl>
+                                          <p:spTgt spid="5">
+                                            <p:txEl>
+                                              <p:pRg st="1" end="1"/>
+                                            </p:txEl>
+                                          </p:spTgt>
+                                        </p:tgtEl>
+                                        <p:attrNameLst>
+                                          <p:attrName>style.visibility</p:attrName>
+                                        </p:attrNameLst>
+                                      </p:cBhvr>
+                                      <p:to>
+                                        <p:strVal val="visible"/>
+                                      </p:to>
+                                    </p:set>
+                                  </p:childTnLst>
+                                </p:cTn>
+                              </p:par>
+                            </p:childTnLst>
+                          </p:cTn>
+                        </p:par>
+                      </p:childTnLst>
+                    </p:cTn>
+                  </p:par>
+                  <p:par>
+                    <p:cTn id="39" fill="hold">
+                      <p:stCondLst>
+                        <p:cond delay="indefinite"/>
+                      </p:stCondLst>
+                      <p:childTnLst>
+                        <p:par>
+                          <p:cTn id="40" fill="hold">
+                            <p:stCondLst>
+                              <p:cond delay="0"/>
+                            </p:stCondLst>
+                            <p:childTnLst>
+                              <p:par>
+                                <p:cTn id="41" presetID="1" presetClass="entr" presetSubtype="0" fill="hold" grpId="1" nodeType="clickEffect">
+                                  <p:stCondLst>
+                                    <p:cond delay="0"/>
+                                  </p:stCondLst>
+                                  <p:childTnLst>
+                                    <p:set>
+                                      <p:cBhvr>
+                                        <p:cTn id="42" dur="1" fill="hold">
+                                          <p:stCondLst>
+                                            <p:cond delay="0"/>
+                                          </p:stCondLst>
+                                        </p:cTn>
+                                        <p:tgtEl>
+                                          <p:spTgt spid="5">
+                                            <p:txEl>
+                                              <p:pRg st="2" end="2"/>
+                                            </p:txEl>
+                                          </p:spTgt>
+                                        </p:tgtEl>
+                                        <p:attrNameLst>
+                                          <p:attrName>style.visibility</p:attrName>
+                                        </p:attrNameLst>
+                                      </p:cBhvr>
+                                      <p:to>
+                                        <p:strVal val="visible"/>
+                                      </p:to>
+                                    </p:set>
+                                  </p:childTnLst>
+                                </p:cTn>
+                              </p:par>
+                            </p:childTnLst>
+                          </p:cTn>
+                        </p:par>
+                      </p:childTnLst>
+                    </p:cTn>
+                  </p:par>
+                  <p:par>
+                    <p:cTn id="43" fill="hold">
+                      <p:stCondLst>
+                        <p:cond delay="indefinite"/>
+                      </p:stCondLst>
+                      <p:childTnLst>
+                        <p:par>
+                          <p:cTn id="44" fill="hold">
+                            <p:stCondLst>
+                              <p:cond delay="0"/>
+                            </p:stCondLst>
+                            <p:childTnLst>
+                              <p:par>
+                                <p:cTn id="45" presetID="1" presetClass="entr" presetSubtype="0" fill="hold" grpId="1" nodeType="clickEffect">
+                                  <p:stCondLst>
+                                    <p:cond delay="0"/>
+                                  </p:stCondLst>
+                                  <p:childTnLst>
+                                    <p:set>
+                                      <p:cBhvr>
+                                        <p:cTn id="46" dur="1" fill="hold">
+                                          <p:stCondLst>
+                                            <p:cond delay="0"/>
+                                          </p:stCondLst>
+                                        </p:cTn>
+                                        <p:tgtEl>
+                                          <p:spTgt spid="5">
+                                            <p:txEl>
+                                              <p:pRg st="3" end="3"/>
+                                            </p:txEl>
+                                          </p:spTgt>
+                                        </p:tgtEl>
+                                        <p:attrNameLst>
+                                          <p:attrName>style.visibility</p:attrName>
+                                        </p:attrNameLst>
+                                      </p:cBhvr>
+                                      <p:to>
+                                        <p:strVal val="visible"/>
+                                      </p:to>
+                                    </p:set>
+                                  </p:childTnLst>
+                                </p:cTn>
+                              </p:par>
+                            </p:childTnLst>
+                          </p:cTn>
+                        </p:par>
+                      </p:childTnLst>
+                    </p:cTn>
+                  </p:par>
+                  <p:par>
+                    <p:cTn id="47" fill="hold">
+                      <p:stCondLst>
+                        <p:cond delay="indefinite"/>
+                      </p:stCondLst>
+                      <p:childTnLst>
+                        <p:par>
+                          <p:cTn id="48" fill="hold">
+                            <p:stCondLst>
+                              <p:cond delay="0"/>
+                            </p:stCondLst>
+                            <p:childTnLst>
+                              <p:par>
+                                <p:cTn id="49" presetID="1" presetClass="entr" presetSubtype="0" fill="hold" grpId="1" nodeType="clickEffect">
+                                  <p:stCondLst>
+                                    <p:cond delay="0"/>
+                                  </p:stCondLst>
+                                  <p:childTnLst>
+                                    <p:set>
+                                      <p:cBhvr>
+                                        <p:cTn id="50" dur="1" fill="hold">
+                                          <p:stCondLst>
+                                            <p:cond delay="0"/>
+                                          </p:stCondLst>
+                                        </p:cTn>
+                                        <p:tgtEl>
+                                          <p:spTgt spid="5">
+                                            <p:txEl>
+                                              <p:pRg st="4" end="4"/>
+                                            </p:txEl>
+                                          </p:spTgt>
+                                        </p:tgtEl>
+                                        <p:attrNameLst>
+                                          <p:attrName>style.visibility</p:attrName>
+                                        </p:attrNameLst>
+                                      </p:cBhvr>
+                                      <p:to>
+                                        <p:strVal val="visible"/>
+                                      </p:to>
+                                    </p:set>
+                                  </p:childTnLst>
+                                </p:cTn>
+                              </p:par>
+                            </p:childTnLst>
+                          </p:cTn>
+                        </p:par>
+                      </p:childTnLst>
+                    </p:cTn>
+                  </p:par>
+                  <p:par>
+                    <p:cTn id="51" fill="hold">
+                      <p:stCondLst>
+                        <p:cond delay="indefinite"/>
+                      </p:stCondLst>
+                      <p:childTnLst>
+                        <p:par>
+                          <p:cTn id="52" fill="hold">
+                            <p:stCondLst>
+                              <p:cond delay="0"/>
+                            </p:stCondLst>
+                            <p:childTnLst>
+                              <p:par>
+                                <p:cTn id="53" presetID="1" presetClass="entr" presetSubtype="0" fill="hold" grpId="1" nodeType="clickEffect">
+                                  <p:stCondLst>
+                                    <p:cond delay="0"/>
+                                  </p:stCondLst>
+                                  <p:childTnLst>
+                                    <p:set>
+                                      <p:cBhvr>
+                                        <p:cTn id="54" dur="1" fill="hold">
+                                          <p:stCondLst>
+                                            <p:cond delay="0"/>
+                                          </p:stCondLst>
+                                        </p:cTn>
+                                        <p:tgtEl>
+                                          <p:spTgt spid="5">
+                                            <p:txEl>
+                                              <p:pRg st="5" end="5"/>
+                                            </p:txEl>
+                                          </p:spTgt>
+                                        </p:tgtEl>
+                                        <p:attrNameLst>
+                                          <p:attrName>style.visibility</p:attrName>
+                                        </p:attrNameLst>
+                                      </p:cBhvr>
+                                      <p:to>
+                                        <p:strVal val="visible"/>
+                                      </p:to>
+                                    </p:set>
+                                  </p:childTnLst>
+                                </p:cTn>
+                              </p:par>
+                            </p:childTnLst>
+                          </p:cTn>
+                        </p:par>
+                      </p:childTnLst>
+                    </p:cTn>
+                  </p:par>
+                  <p:par>
+                    <p:cTn id="55" fill="hold">
+                      <p:stCondLst>
+                        <p:cond delay="indefinite"/>
+                      </p:stCondLst>
+                      <p:childTnLst>
+                        <p:par>
+                          <p:cTn id="56" fill="hold">
+                            <p:stCondLst>
+                              <p:cond delay="0"/>
+                            </p:stCondLst>
+                            <p:childTnLst>
+                              <p:par>
+                                <p:cTn id="57" presetID="1" presetClass="entr" presetSubtype="0" fill="hold" grpId="1" nodeType="clickEffect">
+                                  <p:stCondLst>
+                                    <p:cond delay="0"/>
+                                  </p:stCondLst>
+                                  <p:childTnLst>
+                                    <p:set>
+                                      <p:cBhvr>
+                                        <p:cTn id="58" dur="1" fill="hold">
+                                          <p:stCondLst>
+                                            <p:cond delay="0"/>
+                                          </p:stCondLst>
+                                        </p:cTn>
+                                        <p:tgtEl>
+                                          <p:spTgt spid="5">
+                                            <p:txEl>
+                                              <p:pRg st="6" end="6"/>
+                                            </p:txEl>
+                                          </p:spTgt>
+                                        </p:tgtEl>
+                                        <p:attrNameLst>
+                                          <p:attrName>style.visibility</p:attrName>
+                                        </p:attrNameLst>
+                                      </p:cBhvr>
+                                      <p:to>
+                                        <p:strVal val="visible"/>
+                                      </p:to>
+                                    </p:set>
+                                  </p:childTnLst>
+                                </p:cTn>
+                              </p:par>
+                            </p:childTnLst>
+                          </p:cTn>
+                        </p:par>
+                      </p:childTnLst>
+                    </p:cTn>
+                  </p:par>
+                </p:childTnLst>
+              </p:cTn>
+              <p:prevCondLst>
+                <p:cond evt="onPrev" delay="0">
+                  <p:tgtEl>
+                    <p:sldTgt/>
+                  </p:tgtEl>
+                </p:cond>
+              </p:prevCondLst>
+              <p:nextCondLst>
+                <p:cond evt="onNext" delay="0">
+                  <p:tgtEl>
+                    <p:sldTgt/>
+                  </p:tgtEl>
+                </p:cond>
+              </p:nextCondLst>
+            </p:seq>
+          </p:childTnLst>
+        </p:cTn>
+      </p:par>
+    </p:tnLst>
+    <p:bldLst>
+      <p:bldP spid="5" grpId="0" build="p"/>
+      <p:bldP spid="5" grpId="1" build="p"/>
+    </p:bldLst>
+  </p:timing>
 </p:sld>
 </file>
 
@@ -20985,74 +22524,6 @@
       </p:sp>
       <p:sp>
         <p:nvSpPr>
-          <p:cNvPr id="3" name="Slide Number Placeholder 2">
-            <a:extLst>
-              <a:ext uri="{FF2B5EF4-FFF2-40B4-BE49-F238E27FC236}">
-                <a16:creationId xmlns:a16="http://schemas.microsoft.com/office/drawing/2014/main" id="{D35A3210-F8F0-F00A-7783-9880896E0FD6}"/>
-              </a:ext>
-            </a:extLst>
-          </p:cNvPr>
-          <p:cNvSpPr>
-            <a:spLocks noGrp="1"/>
-          </p:cNvSpPr>
-          <p:nvPr>
-            <p:ph type="sldNum" sz="quarter" idx="10"/>
-          </p:nvPr>
-        </p:nvSpPr>
-        <p:spPr/>
-        <p:txBody>
-          <a:bodyPr/>
-          <a:lstStyle/>
-          <a:p>
-            <a:pPr algn="r"/>
-            <a:fld id="{8FB4CE90-470A-43E3-A052-3E8AD880B4A5}" type="slidenum">
-              <a:rPr lang="en-US" smtClean="0"/>
-              <a:pPr algn="r"/>
-              <a:t>16</a:t>
-            </a:fld>
-            <a:endParaRPr lang="en-US"/>
-          </a:p>
-        </p:txBody>
-      </p:sp>
-      <p:sp>
-        <p:nvSpPr>
-          <p:cNvPr id="4" name="Footer Placeholder 3">
-            <a:extLst>
-              <a:ext uri="{FF2B5EF4-FFF2-40B4-BE49-F238E27FC236}">
-                <a16:creationId xmlns:a16="http://schemas.microsoft.com/office/drawing/2014/main" id="{195ACE44-5177-7F53-3E94-4EF9A39E378C}"/>
-              </a:ext>
-            </a:extLst>
-          </p:cNvPr>
-          <p:cNvSpPr>
-            <a:spLocks noGrp="1"/>
-          </p:cNvSpPr>
-          <p:nvPr>
-            <p:ph type="ftr" sz="quarter" idx="11"/>
-          </p:nvPr>
-        </p:nvSpPr>
-        <p:spPr/>
-        <p:txBody>
-          <a:bodyPr/>
-          <a:lstStyle/>
-          <a:p>
-            <a:pPr algn="ctr">
-              <a:lnSpc>
-                <a:spcPct val="90000"/>
-              </a:lnSpc>
-              <a:spcBef>
-                <a:spcPts val="1000"/>
-              </a:spcBef>
-            </a:pPr>
-            <a:r>
-              <a:rPr lang="en-US"/>
-              <a:t>Confidential &amp; Proprietary – Not for Distribution</a:t>
-            </a:r>
-            <a:endParaRPr lang="en-US" dirty="0"/>
-          </a:p>
-        </p:txBody>
-      </p:sp>
-      <p:sp>
-        <p:nvSpPr>
           <p:cNvPr id="5" name="Content Placeholder 4">
             <a:extLst>
               <a:ext uri="{FF2B5EF4-FFF2-40B4-BE49-F238E27FC236}">
@@ -21252,6 +22723,439 @@
   <p:clrMapOvr>
     <a:masterClrMapping/>
   </p:clrMapOvr>
+  <p:timing>
+    <p:tnLst>
+      <p:par>
+        <p:cTn id="1" dur="indefinite" restart="never" nodeType="tmRoot">
+          <p:childTnLst>
+            <p:seq concurrent="1" nextAc="seek">
+              <p:cTn id="2" dur="indefinite" nodeType="mainSeq">
+                <p:childTnLst>
+                  <p:par>
+                    <p:cTn id="3" fill="hold">
+                      <p:stCondLst>
+                        <p:cond delay="indefinite"/>
+                      </p:stCondLst>
+                      <p:childTnLst>
+                        <p:par>
+                          <p:cTn id="4" fill="hold">
+                            <p:stCondLst>
+                              <p:cond delay="0"/>
+                            </p:stCondLst>
+                            <p:childTnLst>
+                              <p:par>
+                                <p:cTn id="5" presetID="1" presetClass="entr" presetSubtype="0" fill="hold" grpId="0" nodeType="clickEffect">
+                                  <p:stCondLst>
+                                    <p:cond delay="0"/>
+                                  </p:stCondLst>
+                                  <p:childTnLst>
+                                    <p:set>
+                                      <p:cBhvr>
+                                        <p:cTn id="6" dur="1" fill="hold">
+                                          <p:stCondLst>
+                                            <p:cond delay="0"/>
+                                          </p:stCondLst>
+                                        </p:cTn>
+                                        <p:tgtEl>
+                                          <p:spTgt spid="5">
+                                            <p:txEl>
+                                              <p:pRg st="0" end="0"/>
+                                            </p:txEl>
+                                          </p:spTgt>
+                                        </p:tgtEl>
+                                        <p:attrNameLst>
+                                          <p:attrName>style.visibility</p:attrName>
+                                        </p:attrNameLst>
+                                      </p:cBhvr>
+                                      <p:to>
+                                        <p:strVal val="visible"/>
+                                      </p:to>
+                                    </p:set>
+                                  </p:childTnLst>
+                                </p:cTn>
+                              </p:par>
+                              <p:par>
+                                <p:cTn id="7" presetID="1" presetClass="entr" presetSubtype="0" fill="hold" grpId="0" nodeType="withEffect">
+                                  <p:stCondLst>
+                                    <p:cond delay="0"/>
+                                  </p:stCondLst>
+                                  <p:childTnLst>
+                                    <p:set>
+                                      <p:cBhvr>
+                                        <p:cTn id="8" dur="1" fill="hold">
+                                          <p:stCondLst>
+                                            <p:cond delay="0"/>
+                                          </p:stCondLst>
+                                        </p:cTn>
+                                        <p:tgtEl>
+                                          <p:spTgt spid="5">
+                                            <p:txEl>
+                                              <p:pRg st="1" end="1"/>
+                                            </p:txEl>
+                                          </p:spTgt>
+                                        </p:tgtEl>
+                                        <p:attrNameLst>
+                                          <p:attrName>style.visibility</p:attrName>
+                                        </p:attrNameLst>
+                                      </p:cBhvr>
+                                      <p:to>
+                                        <p:strVal val="visible"/>
+                                      </p:to>
+                                    </p:set>
+                                  </p:childTnLst>
+                                </p:cTn>
+                              </p:par>
+                            </p:childTnLst>
+                          </p:cTn>
+                        </p:par>
+                      </p:childTnLst>
+                    </p:cTn>
+                  </p:par>
+                  <p:par>
+                    <p:cTn id="9" fill="hold">
+                      <p:stCondLst>
+                        <p:cond delay="indefinite"/>
+                      </p:stCondLst>
+                      <p:childTnLst>
+                        <p:par>
+                          <p:cTn id="10" fill="hold">
+                            <p:stCondLst>
+                              <p:cond delay="0"/>
+                            </p:stCondLst>
+                            <p:childTnLst>
+                              <p:par>
+                                <p:cTn id="11" presetID="1" presetClass="entr" presetSubtype="0" fill="hold" grpId="0" nodeType="clickEffect">
+                                  <p:stCondLst>
+                                    <p:cond delay="0"/>
+                                  </p:stCondLst>
+                                  <p:childTnLst>
+                                    <p:set>
+                                      <p:cBhvr>
+                                        <p:cTn id="12" dur="1" fill="hold">
+                                          <p:stCondLst>
+                                            <p:cond delay="0"/>
+                                          </p:stCondLst>
+                                        </p:cTn>
+                                        <p:tgtEl>
+                                          <p:spTgt spid="5">
+                                            <p:txEl>
+                                              <p:pRg st="2" end="2"/>
+                                            </p:txEl>
+                                          </p:spTgt>
+                                        </p:tgtEl>
+                                        <p:attrNameLst>
+                                          <p:attrName>style.visibility</p:attrName>
+                                        </p:attrNameLst>
+                                      </p:cBhvr>
+                                      <p:to>
+                                        <p:strVal val="visible"/>
+                                      </p:to>
+                                    </p:set>
+                                  </p:childTnLst>
+                                </p:cTn>
+                              </p:par>
+                              <p:par>
+                                <p:cTn id="13" presetID="1" presetClass="entr" presetSubtype="0" fill="hold" grpId="0" nodeType="withEffect">
+                                  <p:stCondLst>
+                                    <p:cond delay="0"/>
+                                  </p:stCondLst>
+                                  <p:childTnLst>
+                                    <p:set>
+                                      <p:cBhvr>
+                                        <p:cTn id="14" dur="1" fill="hold">
+                                          <p:stCondLst>
+                                            <p:cond delay="0"/>
+                                          </p:stCondLst>
+                                        </p:cTn>
+                                        <p:tgtEl>
+                                          <p:spTgt spid="5">
+                                            <p:txEl>
+                                              <p:pRg st="3" end="3"/>
+                                            </p:txEl>
+                                          </p:spTgt>
+                                        </p:tgtEl>
+                                        <p:attrNameLst>
+                                          <p:attrName>style.visibility</p:attrName>
+                                        </p:attrNameLst>
+                                      </p:cBhvr>
+                                      <p:to>
+                                        <p:strVal val="visible"/>
+                                      </p:to>
+                                    </p:set>
+                                  </p:childTnLst>
+                                </p:cTn>
+                              </p:par>
+                            </p:childTnLst>
+                          </p:cTn>
+                        </p:par>
+                      </p:childTnLst>
+                    </p:cTn>
+                  </p:par>
+                  <p:par>
+                    <p:cTn id="15" fill="hold">
+                      <p:stCondLst>
+                        <p:cond delay="indefinite"/>
+                      </p:stCondLst>
+                      <p:childTnLst>
+                        <p:par>
+                          <p:cTn id="16" fill="hold">
+                            <p:stCondLst>
+                              <p:cond delay="0"/>
+                            </p:stCondLst>
+                            <p:childTnLst>
+                              <p:par>
+                                <p:cTn id="17" presetID="1" presetClass="entr" presetSubtype="0" fill="hold" grpId="0" nodeType="clickEffect">
+                                  <p:stCondLst>
+                                    <p:cond delay="0"/>
+                                  </p:stCondLst>
+                                  <p:childTnLst>
+                                    <p:set>
+                                      <p:cBhvr>
+                                        <p:cTn id="18" dur="1" fill="hold">
+                                          <p:stCondLst>
+                                            <p:cond delay="0"/>
+                                          </p:stCondLst>
+                                        </p:cTn>
+                                        <p:tgtEl>
+                                          <p:spTgt spid="5">
+                                            <p:txEl>
+                                              <p:pRg st="4" end="4"/>
+                                            </p:txEl>
+                                          </p:spTgt>
+                                        </p:tgtEl>
+                                        <p:attrNameLst>
+                                          <p:attrName>style.visibility</p:attrName>
+                                        </p:attrNameLst>
+                                      </p:cBhvr>
+                                      <p:to>
+                                        <p:strVal val="visible"/>
+                                      </p:to>
+                                    </p:set>
+                                  </p:childTnLst>
+                                </p:cTn>
+                              </p:par>
+                              <p:par>
+                                <p:cTn id="19" presetID="1" presetClass="entr" presetSubtype="0" fill="hold" grpId="0" nodeType="withEffect">
+                                  <p:stCondLst>
+                                    <p:cond delay="0"/>
+                                  </p:stCondLst>
+                                  <p:childTnLst>
+                                    <p:set>
+                                      <p:cBhvr>
+                                        <p:cTn id="20" dur="1" fill="hold">
+                                          <p:stCondLst>
+                                            <p:cond delay="0"/>
+                                          </p:stCondLst>
+                                        </p:cTn>
+                                        <p:tgtEl>
+                                          <p:spTgt spid="5">
+                                            <p:txEl>
+                                              <p:pRg st="5" end="5"/>
+                                            </p:txEl>
+                                          </p:spTgt>
+                                        </p:tgtEl>
+                                        <p:attrNameLst>
+                                          <p:attrName>style.visibility</p:attrName>
+                                        </p:attrNameLst>
+                                      </p:cBhvr>
+                                      <p:to>
+                                        <p:strVal val="visible"/>
+                                      </p:to>
+                                    </p:set>
+                                  </p:childTnLst>
+                                </p:cTn>
+                              </p:par>
+                            </p:childTnLst>
+                          </p:cTn>
+                        </p:par>
+                      </p:childTnLst>
+                    </p:cTn>
+                  </p:par>
+                  <p:par>
+                    <p:cTn id="21" fill="hold">
+                      <p:stCondLst>
+                        <p:cond delay="indefinite"/>
+                      </p:stCondLst>
+                      <p:childTnLst>
+                        <p:par>
+                          <p:cTn id="22" fill="hold">
+                            <p:stCondLst>
+                              <p:cond delay="0"/>
+                            </p:stCondLst>
+                            <p:childTnLst>
+                              <p:par>
+                                <p:cTn id="23" presetID="1" presetClass="entr" presetSubtype="0" fill="hold" grpId="0" nodeType="clickEffect">
+                                  <p:stCondLst>
+                                    <p:cond delay="0"/>
+                                  </p:stCondLst>
+                                  <p:childTnLst>
+                                    <p:set>
+                                      <p:cBhvr>
+                                        <p:cTn id="24" dur="1" fill="hold">
+                                          <p:stCondLst>
+                                            <p:cond delay="0"/>
+                                          </p:stCondLst>
+                                        </p:cTn>
+                                        <p:tgtEl>
+                                          <p:spTgt spid="5">
+                                            <p:txEl>
+                                              <p:pRg st="6" end="6"/>
+                                            </p:txEl>
+                                          </p:spTgt>
+                                        </p:tgtEl>
+                                        <p:attrNameLst>
+                                          <p:attrName>style.visibility</p:attrName>
+                                        </p:attrNameLst>
+                                      </p:cBhvr>
+                                      <p:to>
+                                        <p:strVal val="visible"/>
+                                      </p:to>
+                                    </p:set>
+                                  </p:childTnLst>
+                                </p:cTn>
+                              </p:par>
+                              <p:par>
+                                <p:cTn id="25" presetID="1" presetClass="entr" presetSubtype="0" fill="hold" grpId="0" nodeType="withEffect">
+                                  <p:stCondLst>
+                                    <p:cond delay="0"/>
+                                  </p:stCondLst>
+                                  <p:childTnLst>
+                                    <p:set>
+                                      <p:cBhvr>
+                                        <p:cTn id="26" dur="1" fill="hold">
+                                          <p:stCondLst>
+                                            <p:cond delay="0"/>
+                                          </p:stCondLst>
+                                        </p:cTn>
+                                        <p:tgtEl>
+                                          <p:spTgt spid="5">
+                                            <p:txEl>
+                                              <p:pRg st="7" end="7"/>
+                                            </p:txEl>
+                                          </p:spTgt>
+                                        </p:tgtEl>
+                                        <p:attrNameLst>
+                                          <p:attrName>style.visibility</p:attrName>
+                                        </p:attrNameLst>
+                                      </p:cBhvr>
+                                      <p:to>
+                                        <p:strVal val="visible"/>
+                                      </p:to>
+                                    </p:set>
+                                  </p:childTnLst>
+                                </p:cTn>
+                              </p:par>
+                            </p:childTnLst>
+                          </p:cTn>
+                        </p:par>
+                      </p:childTnLst>
+                    </p:cTn>
+                  </p:par>
+                  <p:par>
+                    <p:cTn id="27" fill="hold">
+                      <p:stCondLst>
+                        <p:cond delay="indefinite"/>
+                      </p:stCondLst>
+                      <p:childTnLst>
+                        <p:par>
+                          <p:cTn id="28" fill="hold">
+                            <p:stCondLst>
+                              <p:cond delay="0"/>
+                            </p:stCondLst>
+                            <p:childTnLst>
+                              <p:par>
+                                <p:cTn id="29" presetID="1" presetClass="entr" presetSubtype="0" fill="hold" grpId="0" nodeType="clickEffect">
+                                  <p:stCondLst>
+                                    <p:cond delay="0"/>
+                                  </p:stCondLst>
+                                  <p:childTnLst>
+                                    <p:set>
+                                      <p:cBhvr>
+                                        <p:cTn id="30" dur="1" fill="hold">
+                                          <p:stCondLst>
+                                            <p:cond delay="0"/>
+                                          </p:stCondLst>
+                                        </p:cTn>
+                                        <p:tgtEl>
+                                          <p:spTgt spid="5">
+                                            <p:txEl>
+                                              <p:pRg st="8" end="8"/>
+                                            </p:txEl>
+                                          </p:spTgt>
+                                        </p:tgtEl>
+                                        <p:attrNameLst>
+                                          <p:attrName>style.visibility</p:attrName>
+                                        </p:attrNameLst>
+                                      </p:cBhvr>
+                                      <p:to>
+                                        <p:strVal val="visible"/>
+                                      </p:to>
+                                    </p:set>
+                                  </p:childTnLst>
+                                </p:cTn>
+                              </p:par>
+                              <p:par>
+                                <p:cTn id="31" presetID="1" presetClass="entr" presetSubtype="0" fill="hold" grpId="0" nodeType="withEffect">
+                                  <p:stCondLst>
+                                    <p:cond delay="0"/>
+                                  </p:stCondLst>
+                                  <p:childTnLst>
+                                    <p:set>
+                                      <p:cBhvr>
+                                        <p:cTn id="32" dur="1" fill="hold">
+                                          <p:stCondLst>
+                                            <p:cond delay="0"/>
+                                          </p:stCondLst>
+                                        </p:cTn>
+                                        <p:tgtEl>
+                                          <p:spTgt spid="5">
+                                            <p:txEl>
+                                              <p:pRg st="9" end="9"/>
+                                            </p:txEl>
+                                          </p:spTgt>
+                                        </p:tgtEl>
+                                        <p:attrNameLst>
+                                          <p:attrName>style.visibility</p:attrName>
+                                        </p:attrNameLst>
+                                      </p:cBhvr>
+                                      <p:to>
+                                        <p:strVal val="visible"/>
+                                      </p:to>
+                                    </p:set>
+                                  </p:childTnLst>
+                                </p:cTn>
+                              </p:par>
+                            </p:childTnLst>
+                          </p:cTn>
+                        </p:par>
+                      </p:childTnLst>
+                    </p:cTn>
+                  </p:par>
+                </p:childTnLst>
+              </p:cTn>
+              <p:prevCondLst>
+                <p:cond evt="onPrev" delay="0">
+                  <p:tgtEl>
+                    <p:sldTgt/>
+                  </p:tgtEl>
+                </p:cond>
+              </p:prevCondLst>
+              <p:nextCondLst>
+                <p:cond evt="onNext" delay="0">
+                  <p:tgtEl>
+                    <p:sldTgt/>
+                  </p:tgtEl>
+                </p:cond>
+              </p:nextCondLst>
+            </p:seq>
+          </p:childTnLst>
+        </p:cTn>
+      </p:par>
+    </p:tnLst>
+    <p:bldLst>
+      <p:bldP spid="5" grpId="0" build="p"/>
+    </p:bldLst>
+  </p:timing>
 </p:sld>
 </file>
 
@@ -23403,6 +25307,346 @@
   <p:clrMapOvr>
     <a:masterClrMapping/>
   </p:clrMapOvr>
+  <p:timing>
+    <p:tnLst>
+      <p:par>
+        <p:cTn id="1" dur="indefinite" restart="never" nodeType="tmRoot">
+          <p:childTnLst>
+            <p:seq concurrent="1" nextAc="seek">
+              <p:cTn id="2" dur="indefinite" nodeType="mainSeq">
+                <p:childTnLst>
+                  <p:par>
+                    <p:cTn id="3" fill="hold">
+                      <p:stCondLst>
+                        <p:cond delay="indefinite"/>
+                      </p:stCondLst>
+                      <p:childTnLst>
+                        <p:par>
+                          <p:cTn id="4" fill="hold">
+                            <p:stCondLst>
+                              <p:cond delay="0"/>
+                            </p:stCondLst>
+                            <p:childTnLst>
+                              <p:par>
+                                <p:cTn id="5" presetID="1" presetClass="entr" presetSubtype="0" fill="hold" grpId="0" nodeType="clickEffect">
+                                  <p:stCondLst>
+                                    <p:cond delay="0"/>
+                                  </p:stCondLst>
+                                  <p:childTnLst>
+                                    <p:set>
+                                      <p:cBhvr>
+                                        <p:cTn id="6" dur="1" fill="hold">
+                                          <p:stCondLst>
+                                            <p:cond delay="0"/>
+                                          </p:stCondLst>
+                                        </p:cTn>
+                                        <p:tgtEl>
+                                          <p:spTgt spid="5">
+                                            <p:txEl>
+                                              <p:pRg st="1" end="1"/>
+                                            </p:txEl>
+                                          </p:spTgt>
+                                        </p:tgtEl>
+                                        <p:attrNameLst>
+                                          <p:attrName>style.visibility</p:attrName>
+                                        </p:attrNameLst>
+                                      </p:cBhvr>
+                                      <p:to>
+                                        <p:strVal val="visible"/>
+                                      </p:to>
+                                    </p:set>
+                                  </p:childTnLst>
+                                </p:cTn>
+                              </p:par>
+                            </p:childTnLst>
+                          </p:cTn>
+                        </p:par>
+                      </p:childTnLst>
+                    </p:cTn>
+                  </p:par>
+                  <p:par>
+                    <p:cTn id="7" fill="hold">
+                      <p:stCondLst>
+                        <p:cond delay="indefinite"/>
+                      </p:stCondLst>
+                      <p:childTnLst>
+                        <p:par>
+                          <p:cTn id="8" fill="hold">
+                            <p:stCondLst>
+                              <p:cond delay="0"/>
+                            </p:stCondLst>
+                            <p:childTnLst>
+                              <p:par>
+                                <p:cTn id="9" presetID="1" presetClass="entr" presetSubtype="0" fill="hold" grpId="0" nodeType="clickEffect">
+                                  <p:stCondLst>
+                                    <p:cond delay="0"/>
+                                  </p:stCondLst>
+                                  <p:childTnLst>
+                                    <p:set>
+                                      <p:cBhvr>
+                                        <p:cTn id="10" dur="1" fill="hold">
+                                          <p:stCondLst>
+                                            <p:cond delay="0"/>
+                                          </p:stCondLst>
+                                        </p:cTn>
+                                        <p:tgtEl>
+                                          <p:spTgt spid="5">
+                                            <p:txEl>
+                                              <p:pRg st="2" end="2"/>
+                                            </p:txEl>
+                                          </p:spTgt>
+                                        </p:tgtEl>
+                                        <p:attrNameLst>
+                                          <p:attrName>style.visibility</p:attrName>
+                                        </p:attrNameLst>
+                                      </p:cBhvr>
+                                      <p:to>
+                                        <p:strVal val="visible"/>
+                                      </p:to>
+                                    </p:set>
+                                  </p:childTnLst>
+                                </p:cTn>
+                              </p:par>
+                            </p:childTnLst>
+                          </p:cTn>
+                        </p:par>
+                      </p:childTnLst>
+                    </p:cTn>
+                  </p:par>
+                  <p:par>
+                    <p:cTn id="11" fill="hold">
+                      <p:stCondLst>
+                        <p:cond delay="indefinite"/>
+                      </p:stCondLst>
+                      <p:childTnLst>
+                        <p:par>
+                          <p:cTn id="12" fill="hold">
+                            <p:stCondLst>
+                              <p:cond delay="0"/>
+                            </p:stCondLst>
+                            <p:childTnLst>
+                              <p:par>
+                                <p:cTn id="13" presetID="1" presetClass="entr" presetSubtype="0" fill="hold" grpId="0" nodeType="clickEffect">
+                                  <p:stCondLst>
+                                    <p:cond delay="0"/>
+                                  </p:stCondLst>
+                                  <p:childTnLst>
+                                    <p:set>
+                                      <p:cBhvr>
+                                        <p:cTn id="14" dur="1" fill="hold">
+                                          <p:stCondLst>
+                                            <p:cond delay="0"/>
+                                          </p:stCondLst>
+                                        </p:cTn>
+                                        <p:tgtEl>
+                                          <p:spTgt spid="5">
+                                            <p:txEl>
+                                              <p:pRg st="3" end="3"/>
+                                            </p:txEl>
+                                          </p:spTgt>
+                                        </p:tgtEl>
+                                        <p:attrNameLst>
+                                          <p:attrName>style.visibility</p:attrName>
+                                        </p:attrNameLst>
+                                      </p:cBhvr>
+                                      <p:to>
+                                        <p:strVal val="visible"/>
+                                      </p:to>
+                                    </p:set>
+                                  </p:childTnLst>
+                                </p:cTn>
+                              </p:par>
+                              <p:par>
+                                <p:cTn id="15" presetID="1" presetClass="entr" presetSubtype="0" fill="hold" grpId="0" nodeType="withEffect">
+                                  <p:stCondLst>
+                                    <p:cond delay="0"/>
+                                  </p:stCondLst>
+                                  <p:childTnLst>
+                                    <p:set>
+                                      <p:cBhvr>
+                                        <p:cTn id="16" dur="1" fill="hold">
+                                          <p:stCondLst>
+                                            <p:cond delay="0"/>
+                                          </p:stCondLst>
+                                        </p:cTn>
+                                        <p:tgtEl>
+                                          <p:spTgt spid="5">
+                                            <p:txEl>
+                                              <p:pRg st="4" end="4"/>
+                                            </p:txEl>
+                                          </p:spTgt>
+                                        </p:tgtEl>
+                                        <p:attrNameLst>
+                                          <p:attrName>style.visibility</p:attrName>
+                                        </p:attrNameLst>
+                                      </p:cBhvr>
+                                      <p:to>
+                                        <p:strVal val="visible"/>
+                                      </p:to>
+                                    </p:set>
+                                  </p:childTnLst>
+                                </p:cTn>
+                              </p:par>
+                              <p:par>
+                                <p:cTn id="17" presetID="1" presetClass="entr" presetSubtype="0" fill="hold" grpId="0" nodeType="withEffect">
+                                  <p:stCondLst>
+                                    <p:cond delay="0"/>
+                                  </p:stCondLst>
+                                  <p:childTnLst>
+                                    <p:set>
+                                      <p:cBhvr>
+                                        <p:cTn id="18" dur="1" fill="hold">
+                                          <p:stCondLst>
+                                            <p:cond delay="0"/>
+                                          </p:stCondLst>
+                                        </p:cTn>
+                                        <p:tgtEl>
+                                          <p:spTgt spid="5">
+                                            <p:txEl>
+                                              <p:pRg st="5" end="5"/>
+                                            </p:txEl>
+                                          </p:spTgt>
+                                        </p:tgtEl>
+                                        <p:attrNameLst>
+                                          <p:attrName>style.visibility</p:attrName>
+                                        </p:attrNameLst>
+                                      </p:cBhvr>
+                                      <p:to>
+                                        <p:strVal val="visible"/>
+                                      </p:to>
+                                    </p:set>
+                                  </p:childTnLst>
+                                </p:cTn>
+                              </p:par>
+                            </p:childTnLst>
+                          </p:cTn>
+                        </p:par>
+                      </p:childTnLst>
+                    </p:cTn>
+                  </p:par>
+                  <p:par>
+                    <p:cTn id="19" fill="hold">
+                      <p:stCondLst>
+                        <p:cond delay="indefinite"/>
+                      </p:stCondLst>
+                      <p:childTnLst>
+                        <p:par>
+                          <p:cTn id="20" fill="hold">
+                            <p:stCondLst>
+                              <p:cond delay="0"/>
+                            </p:stCondLst>
+                            <p:childTnLst>
+                              <p:par>
+                                <p:cTn id="21" presetID="1" presetClass="entr" presetSubtype="0" fill="hold" grpId="0" nodeType="clickEffect">
+                                  <p:stCondLst>
+                                    <p:cond delay="0"/>
+                                  </p:stCondLst>
+                                  <p:childTnLst>
+                                    <p:set>
+                                      <p:cBhvr>
+                                        <p:cTn id="22" dur="1" fill="hold">
+                                          <p:stCondLst>
+                                            <p:cond delay="0"/>
+                                          </p:stCondLst>
+                                        </p:cTn>
+                                        <p:tgtEl>
+                                          <p:spTgt spid="5">
+                                            <p:txEl>
+                                              <p:pRg st="6" end="6"/>
+                                            </p:txEl>
+                                          </p:spTgt>
+                                        </p:tgtEl>
+                                        <p:attrNameLst>
+                                          <p:attrName>style.visibility</p:attrName>
+                                        </p:attrNameLst>
+                                      </p:cBhvr>
+                                      <p:to>
+                                        <p:strVal val="visible"/>
+                                      </p:to>
+                                    </p:set>
+                                  </p:childTnLst>
+                                </p:cTn>
+                              </p:par>
+                            </p:childTnLst>
+                          </p:cTn>
+                        </p:par>
+                      </p:childTnLst>
+                    </p:cTn>
+                  </p:par>
+                  <p:par>
+                    <p:cTn id="23" fill="hold">
+                      <p:stCondLst>
+                        <p:cond delay="indefinite"/>
+                      </p:stCondLst>
+                      <p:childTnLst>
+                        <p:par>
+                          <p:cTn id="24" fill="hold">
+                            <p:stCondLst>
+                              <p:cond delay="0"/>
+                            </p:stCondLst>
+                            <p:childTnLst>
+                              <p:par>
+                                <p:cTn id="25" presetID="1" presetClass="entr" presetSubtype="0" fill="hold" grpId="0" nodeType="clickEffect">
+                                  <p:stCondLst>
+                                    <p:cond delay="0"/>
+                                  </p:stCondLst>
+                                  <p:childTnLst>
+                                    <p:set>
+                                      <p:cBhvr>
+                                        <p:cTn id="26" dur="1" fill="hold">
+                                          <p:stCondLst>
+                                            <p:cond delay="0"/>
+                                          </p:stCondLst>
+                                        </p:cTn>
+                                        <p:tgtEl>
+                                          <p:spTgt spid="5">
+                                            <p:txEl>
+                                              <p:pRg st="8" end="8"/>
+                                            </p:txEl>
+                                          </p:spTgt>
+                                        </p:tgtEl>
+                                        <p:attrNameLst>
+                                          <p:attrName>style.visibility</p:attrName>
+                                        </p:attrNameLst>
+                                      </p:cBhvr>
+                                      <p:to>
+                                        <p:strVal val="visible"/>
+                                      </p:to>
+                                    </p:set>
+                                  </p:childTnLst>
+                                </p:cTn>
+                              </p:par>
+                            </p:childTnLst>
+                          </p:cTn>
+                        </p:par>
+                      </p:childTnLst>
+                    </p:cTn>
+                  </p:par>
+                </p:childTnLst>
+              </p:cTn>
+              <p:prevCondLst>
+                <p:cond evt="onPrev" delay="0">
+                  <p:tgtEl>
+                    <p:sldTgt/>
+                  </p:tgtEl>
+                </p:cond>
+              </p:prevCondLst>
+              <p:nextCondLst>
+                <p:cond evt="onNext" delay="0">
+                  <p:tgtEl>
+                    <p:sldTgt/>
+                  </p:tgtEl>
+                </p:cond>
+              </p:nextCondLst>
+            </p:seq>
+          </p:childTnLst>
+        </p:cTn>
+      </p:par>
+    </p:tnLst>
+    <p:bldLst>
+      <p:bldP spid="5" grpId="0" build="p"/>
+    </p:bldLst>
+  </p:timing>
 </p:sld>
 </file>
 
@@ -23678,6 +25922,452 @@
   <p:clrMapOvr>
     <a:masterClrMapping/>
   </p:clrMapOvr>
+  <p:timing>
+    <p:tnLst>
+      <p:par>
+        <p:cTn id="1" dur="indefinite" restart="never" nodeType="tmRoot">
+          <p:childTnLst>
+            <p:seq concurrent="1" nextAc="seek">
+              <p:cTn id="2" dur="indefinite" nodeType="mainSeq">
+                <p:childTnLst>
+                  <p:par>
+                    <p:cTn id="3" fill="hold">
+                      <p:stCondLst>
+                        <p:cond delay="indefinite"/>
+                      </p:stCondLst>
+                      <p:childTnLst>
+                        <p:par>
+                          <p:cTn id="4" fill="hold">
+                            <p:stCondLst>
+                              <p:cond delay="0"/>
+                            </p:stCondLst>
+                            <p:childTnLst>
+                              <p:par>
+                                <p:cTn id="5" presetID="1" presetClass="entr" presetSubtype="0" fill="hold" grpId="0" nodeType="clickEffect">
+                                  <p:stCondLst>
+                                    <p:cond delay="0"/>
+                                  </p:stCondLst>
+                                  <p:childTnLst>
+                                    <p:set>
+                                      <p:cBhvr>
+                                        <p:cTn id="6" dur="1" fill="hold">
+                                          <p:stCondLst>
+                                            <p:cond delay="0"/>
+                                          </p:stCondLst>
+                                        </p:cTn>
+                                        <p:tgtEl>
+                                          <p:spTgt spid="5">
+                                            <p:txEl>
+                                              <p:pRg st="0" end="0"/>
+                                            </p:txEl>
+                                          </p:spTgt>
+                                        </p:tgtEl>
+                                        <p:attrNameLst>
+                                          <p:attrName>style.visibility</p:attrName>
+                                        </p:attrNameLst>
+                                      </p:cBhvr>
+                                      <p:to>
+                                        <p:strVal val="visible"/>
+                                      </p:to>
+                                    </p:set>
+                                  </p:childTnLst>
+                                </p:cTn>
+                              </p:par>
+                              <p:par>
+                                <p:cTn id="7" presetID="1" presetClass="entr" presetSubtype="0" fill="hold" grpId="0" nodeType="withEffect">
+                                  <p:stCondLst>
+                                    <p:cond delay="0"/>
+                                  </p:stCondLst>
+                                  <p:childTnLst>
+                                    <p:set>
+                                      <p:cBhvr>
+                                        <p:cTn id="8" dur="1" fill="hold">
+                                          <p:stCondLst>
+                                            <p:cond delay="0"/>
+                                          </p:stCondLst>
+                                        </p:cTn>
+                                        <p:tgtEl>
+                                          <p:spTgt spid="5">
+                                            <p:txEl>
+                                              <p:pRg st="1" end="1"/>
+                                            </p:txEl>
+                                          </p:spTgt>
+                                        </p:tgtEl>
+                                        <p:attrNameLst>
+                                          <p:attrName>style.visibility</p:attrName>
+                                        </p:attrNameLst>
+                                      </p:cBhvr>
+                                      <p:to>
+                                        <p:strVal val="visible"/>
+                                      </p:to>
+                                    </p:set>
+                                  </p:childTnLst>
+                                </p:cTn>
+                              </p:par>
+                              <p:par>
+                                <p:cTn id="9" presetID="1" presetClass="entr" presetSubtype="0" fill="hold" grpId="0" nodeType="withEffect">
+                                  <p:stCondLst>
+                                    <p:cond delay="0"/>
+                                  </p:stCondLst>
+                                  <p:childTnLst>
+                                    <p:set>
+                                      <p:cBhvr>
+                                        <p:cTn id="10" dur="1" fill="hold">
+                                          <p:stCondLst>
+                                            <p:cond delay="0"/>
+                                          </p:stCondLst>
+                                        </p:cTn>
+                                        <p:tgtEl>
+                                          <p:spTgt spid="5">
+                                            <p:txEl>
+                                              <p:pRg st="2" end="2"/>
+                                            </p:txEl>
+                                          </p:spTgt>
+                                        </p:tgtEl>
+                                        <p:attrNameLst>
+                                          <p:attrName>style.visibility</p:attrName>
+                                        </p:attrNameLst>
+                                      </p:cBhvr>
+                                      <p:to>
+                                        <p:strVal val="visible"/>
+                                      </p:to>
+                                    </p:set>
+                                  </p:childTnLst>
+                                </p:cTn>
+                              </p:par>
+                            </p:childTnLst>
+                          </p:cTn>
+                        </p:par>
+                      </p:childTnLst>
+                    </p:cTn>
+                  </p:par>
+                  <p:par>
+                    <p:cTn id="11" fill="hold">
+                      <p:stCondLst>
+                        <p:cond delay="indefinite"/>
+                      </p:stCondLst>
+                      <p:childTnLst>
+                        <p:par>
+                          <p:cTn id="12" fill="hold">
+                            <p:stCondLst>
+                              <p:cond delay="0"/>
+                            </p:stCondLst>
+                            <p:childTnLst>
+                              <p:par>
+                                <p:cTn id="13" presetID="1" presetClass="entr" presetSubtype="0" fill="hold" grpId="0" nodeType="clickEffect">
+                                  <p:stCondLst>
+                                    <p:cond delay="0"/>
+                                  </p:stCondLst>
+                                  <p:childTnLst>
+                                    <p:set>
+                                      <p:cBhvr>
+                                        <p:cTn id="14" dur="1" fill="hold">
+                                          <p:stCondLst>
+                                            <p:cond delay="0"/>
+                                          </p:stCondLst>
+                                        </p:cTn>
+                                        <p:tgtEl>
+                                          <p:spTgt spid="5">
+                                            <p:txEl>
+                                              <p:pRg st="3" end="3"/>
+                                            </p:txEl>
+                                          </p:spTgt>
+                                        </p:tgtEl>
+                                        <p:attrNameLst>
+                                          <p:attrName>style.visibility</p:attrName>
+                                        </p:attrNameLst>
+                                      </p:cBhvr>
+                                      <p:to>
+                                        <p:strVal val="visible"/>
+                                      </p:to>
+                                    </p:set>
+                                  </p:childTnLst>
+                                </p:cTn>
+                              </p:par>
+                              <p:par>
+                                <p:cTn id="15" presetID="1" presetClass="entr" presetSubtype="0" fill="hold" grpId="0" nodeType="withEffect">
+                                  <p:stCondLst>
+                                    <p:cond delay="0"/>
+                                  </p:stCondLst>
+                                  <p:childTnLst>
+                                    <p:set>
+                                      <p:cBhvr>
+                                        <p:cTn id="16" dur="1" fill="hold">
+                                          <p:stCondLst>
+                                            <p:cond delay="0"/>
+                                          </p:stCondLst>
+                                        </p:cTn>
+                                        <p:tgtEl>
+                                          <p:spTgt spid="5">
+                                            <p:txEl>
+                                              <p:pRg st="4" end="4"/>
+                                            </p:txEl>
+                                          </p:spTgt>
+                                        </p:tgtEl>
+                                        <p:attrNameLst>
+                                          <p:attrName>style.visibility</p:attrName>
+                                        </p:attrNameLst>
+                                      </p:cBhvr>
+                                      <p:to>
+                                        <p:strVal val="visible"/>
+                                      </p:to>
+                                    </p:set>
+                                  </p:childTnLst>
+                                </p:cTn>
+                              </p:par>
+                              <p:par>
+                                <p:cTn id="17" presetID="1" presetClass="entr" presetSubtype="0" fill="hold" grpId="0" nodeType="withEffect">
+                                  <p:stCondLst>
+                                    <p:cond delay="0"/>
+                                  </p:stCondLst>
+                                  <p:childTnLst>
+                                    <p:set>
+                                      <p:cBhvr>
+                                        <p:cTn id="18" dur="1" fill="hold">
+                                          <p:stCondLst>
+                                            <p:cond delay="0"/>
+                                          </p:stCondLst>
+                                        </p:cTn>
+                                        <p:tgtEl>
+                                          <p:spTgt spid="5">
+                                            <p:txEl>
+                                              <p:pRg st="5" end="5"/>
+                                            </p:txEl>
+                                          </p:spTgt>
+                                        </p:tgtEl>
+                                        <p:attrNameLst>
+                                          <p:attrName>style.visibility</p:attrName>
+                                        </p:attrNameLst>
+                                      </p:cBhvr>
+                                      <p:to>
+                                        <p:strVal val="visible"/>
+                                      </p:to>
+                                    </p:set>
+                                  </p:childTnLst>
+                                </p:cTn>
+                              </p:par>
+                              <p:par>
+                                <p:cTn id="19" presetID="1" presetClass="entr" presetSubtype="0" fill="hold" grpId="0" nodeType="withEffect">
+                                  <p:stCondLst>
+                                    <p:cond delay="0"/>
+                                  </p:stCondLst>
+                                  <p:childTnLst>
+                                    <p:set>
+                                      <p:cBhvr>
+                                        <p:cTn id="20" dur="1" fill="hold">
+                                          <p:stCondLst>
+                                            <p:cond delay="0"/>
+                                          </p:stCondLst>
+                                        </p:cTn>
+                                        <p:tgtEl>
+                                          <p:spTgt spid="5">
+                                            <p:txEl>
+                                              <p:pRg st="6" end="6"/>
+                                            </p:txEl>
+                                          </p:spTgt>
+                                        </p:tgtEl>
+                                        <p:attrNameLst>
+                                          <p:attrName>style.visibility</p:attrName>
+                                        </p:attrNameLst>
+                                      </p:cBhvr>
+                                      <p:to>
+                                        <p:strVal val="visible"/>
+                                      </p:to>
+                                    </p:set>
+                                  </p:childTnLst>
+                                </p:cTn>
+                              </p:par>
+                            </p:childTnLst>
+                          </p:cTn>
+                        </p:par>
+                      </p:childTnLst>
+                    </p:cTn>
+                  </p:par>
+                  <p:par>
+                    <p:cTn id="21" fill="hold">
+                      <p:stCondLst>
+                        <p:cond delay="indefinite"/>
+                      </p:stCondLst>
+                      <p:childTnLst>
+                        <p:par>
+                          <p:cTn id="22" fill="hold">
+                            <p:stCondLst>
+                              <p:cond delay="0"/>
+                            </p:stCondLst>
+                            <p:childTnLst>
+                              <p:par>
+                                <p:cTn id="23" presetID="1" presetClass="entr" presetSubtype="0" fill="hold" grpId="0" nodeType="clickEffect">
+                                  <p:stCondLst>
+                                    <p:cond delay="0"/>
+                                  </p:stCondLst>
+                                  <p:childTnLst>
+                                    <p:set>
+                                      <p:cBhvr>
+                                        <p:cTn id="24" dur="1" fill="hold">
+                                          <p:stCondLst>
+                                            <p:cond delay="0"/>
+                                          </p:stCondLst>
+                                        </p:cTn>
+                                        <p:tgtEl>
+                                          <p:spTgt spid="5">
+                                            <p:txEl>
+                                              <p:pRg st="7" end="7"/>
+                                            </p:txEl>
+                                          </p:spTgt>
+                                        </p:tgtEl>
+                                        <p:attrNameLst>
+                                          <p:attrName>style.visibility</p:attrName>
+                                        </p:attrNameLst>
+                                      </p:cBhvr>
+                                      <p:to>
+                                        <p:strVal val="visible"/>
+                                      </p:to>
+                                    </p:set>
+                                  </p:childTnLst>
+                                </p:cTn>
+                              </p:par>
+                              <p:par>
+                                <p:cTn id="25" presetID="1" presetClass="entr" presetSubtype="0" fill="hold" grpId="0" nodeType="withEffect">
+                                  <p:stCondLst>
+                                    <p:cond delay="0"/>
+                                  </p:stCondLst>
+                                  <p:childTnLst>
+                                    <p:set>
+                                      <p:cBhvr>
+                                        <p:cTn id="26" dur="1" fill="hold">
+                                          <p:stCondLst>
+                                            <p:cond delay="0"/>
+                                          </p:stCondLst>
+                                        </p:cTn>
+                                        <p:tgtEl>
+                                          <p:spTgt spid="5">
+                                            <p:txEl>
+                                              <p:pRg st="8" end="8"/>
+                                            </p:txEl>
+                                          </p:spTgt>
+                                        </p:tgtEl>
+                                        <p:attrNameLst>
+                                          <p:attrName>style.visibility</p:attrName>
+                                        </p:attrNameLst>
+                                      </p:cBhvr>
+                                      <p:to>
+                                        <p:strVal val="visible"/>
+                                      </p:to>
+                                    </p:set>
+                                  </p:childTnLst>
+                                </p:cTn>
+                              </p:par>
+                              <p:par>
+                                <p:cTn id="27" presetID="1" presetClass="entr" presetSubtype="0" fill="hold" grpId="0" nodeType="withEffect">
+                                  <p:stCondLst>
+                                    <p:cond delay="0"/>
+                                  </p:stCondLst>
+                                  <p:childTnLst>
+                                    <p:set>
+                                      <p:cBhvr>
+                                        <p:cTn id="28" dur="1" fill="hold">
+                                          <p:stCondLst>
+                                            <p:cond delay="0"/>
+                                          </p:stCondLst>
+                                        </p:cTn>
+                                        <p:tgtEl>
+                                          <p:spTgt spid="5">
+                                            <p:txEl>
+                                              <p:pRg st="9" end="9"/>
+                                            </p:txEl>
+                                          </p:spTgt>
+                                        </p:tgtEl>
+                                        <p:attrNameLst>
+                                          <p:attrName>style.visibility</p:attrName>
+                                        </p:attrNameLst>
+                                      </p:cBhvr>
+                                      <p:to>
+                                        <p:strVal val="visible"/>
+                                      </p:to>
+                                    </p:set>
+                                  </p:childTnLst>
+                                </p:cTn>
+                              </p:par>
+                            </p:childTnLst>
+                          </p:cTn>
+                        </p:par>
+                      </p:childTnLst>
+                    </p:cTn>
+                  </p:par>
+                  <p:par>
+                    <p:cTn id="29" fill="hold">
+                      <p:stCondLst>
+                        <p:cond delay="indefinite"/>
+                      </p:stCondLst>
+                      <p:childTnLst>
+                        <p:par>
+                          <p:cTn id="30" fill="hold">
+                            <p:stCondLst>
+                              <p:cond delay="0"/>
+                            </p:stCondLst>
+                            <p:childTnLst>
+                              <p:par>
+                                <p:cTn id="31" presetID="1" presetClass="entr" presetSubtype="0" fill="hold" grpId="0" nodeType="clickEffect">
+                                  <p:stCondLst>
+                                    <p:cond delay="0"/>
+                                  </p:stCondLst>
+                                  <p:childTnLst>
+                                    <p:set>
+                                      <p:cBhvr>
+                                        <p:cTn id="32" dur="1" fill="hold">
+                                          <p:stCondLst>
+                                            <p:cond delay="0"/>
+                                          </p:stCondLst>
+                                        </p:cTn>
+                                        <p:tgtEl>
+                                          <p:spTgt spid="5">
+                                            <p:txEl>
+                                              <p:pRg st="10" end="10"/>
+                                            </p:txEl>
+                                          </p:spTgt>
+                                        </p:tgtEl>
+                                        <p:attrNameLst>
+                                          <p:attrName>style.visibility</p:attrName>
+                                        </p:attrNameLst>
+                                      </p:cBhvr>
+                                      <p:to>
+                                        <p:strVal val="visible"/>
+                                      </p:to>
+                                    </p:set>
+                                  </p:childTnLst>
+                                </p:cTn>
+                              </p:par>
+                            </p:childTnLst>
+                          </p:cTn>
+                        </p:par>
+                      </p:childTnLst>
+                    </p:cTn>
+                  </p:par>
+                </p:childTnLst>
+              </p:cTn>
+              <p:prevCondLst>
+                <p:cond evt="onPrev" delay="0">
+                  <p:tgtEl>
+                    <p:sldTgt/>
+                  </p:tgtEl>
+                </p:cond>
+              </p:prevCondLst>
+              <p:nextCondLst>
+                <p:cond evt="onNext" delay="0">
+                  <p:tgtEl>
+                    <p:sldTgt/>
+                  </p:tgtEl>
+                </p:cond>
+              </p:nextCondLst>
+            </p:seq>
+          </p:childTnLst>
+        </p:cTn>
+      </p:par>
+    </p:tnLst>
+    <p:bldLst>
+      <p:bldP spid="5" grpId="0" build="p"/>
+    </p:bldLst>
+  </p:timing>
 </p:sld>
 </file>
 
